--- a/Car Rent.pptx
+++ b/Car Rent.pptx
@@ -13,10 +13,14 @@
     <p:sldId id="269" r:id="rId10"/>
     <p:sldId id="270" r:id="rId11"/>
     <p:sldId id="271" r:id="rId12"/>
-    <p:sldId id="263" r:id="rId13"/>
-    <p:sldId id="274" r:id="rId14"/>
-    <p:sldId id="276" r:id="rId15"/>
-    <p:sldId id="275" r:id="rId16"/>
+    <p:sldId id="277" r:id="rId13"/>
+    <p:sldId id="278" r:id="rId14"/>
+    <p:sldId id="279" r:id="rId15"/>
+    <p:sldId id="280" r:id="rId16"/>
+    <p:sldId id="263" r:id="rId17"/>
+    <p:sldId id="274" r:id="rId18"/>
+    <p:sldId id="276" r:id="rId19"/>
+    <p:sldId id="275" r:id="rId20"/>
   </p:sldIdLst>
   <p:sldSz cx="12192000" cy="6858000"/>
   <p:notesSz cx="6858000" cy="9144000"/>
@@ -192,7 +196,7 @@
           <a:noFill/>
           <a:extLst>
             <a:ext uri="{909E8E84-426E-40dd-AFC4-6F175D3DCCD1}">
-              <a14:hiddenFill xmlns:a14="http://schemas.microsoft.com/office/drawing/2010/main" xmlns="">
+              <a14:hiddenFill xmlns="" xmlns:a14="http://schemas.microsoft.com/office/drawing/2010/main">
                 <a:solidFill>
                   <a:srgbClr val="FFFFFF"/>
                 </a:solidFill>
@@ -252,7 +256,7 @@
             </a:ln>
             <a:extLst>
               <a:ext uri="{91240B29-F687-4f45-9708-019B960494DF}">
-                <a14:hiddenLine xmlns:a14="http://schemas.microsoft.com/office/drawing/2010/main" xmlns="" w="9525">
+                <a14:hiddenLine xmlns="" xmlns:a14="http://schemas.microsoft.com/office/drawing/2010/main" w="9525">
                   <a:solidFill>
                     <a:srgbClr val="000000"/>
                   </a:solidFill>
@@ -342,7 +346,7 @@
             </a:ln>
             <a:extLst>
               <a:ext uri="{91240B29-F687-4f45-9708-019B960494DF}">
-                <a14:hiddenLine xmlns:a14="http://schemas.microsoft.com/office/drawing/2010/main" xmlns="" w="9525">
+                <a14:hiddenLine xmlns="" xmlns:a14="http://schemas.microsoft.com/office/drawing/2010/main" w="9525">
                   <a:solidFill>
                     <a:srgbClr val="000000"/>
                   </a:solidFill>
@@ -432,7 +436,7 @@
             </a:ln>
             <a:extLst>
               <a:ext uri="{91240B29-F687-4f45-9708-019B960494DF}">
-                <a14:hiddenLine xmlns:a14="http://schemas.microsoft.com/office/drawing/2010/main" xmlns="" w="9525">
+                <a14:hiddenLine xmlns="" xmlns:a14="http://schemas.microsoft.com/office/drawing/2010/main" w="9525">
                   <a:solidFill>
                     <a:srgbClr val="000000"/>
                   </a:solidFill>
@@ -466,7 +470,7 @@
             </a:ln>
             <a:extLst>
               <a:ext uri="{91240B29-F687-4f45-9708-019B960494DF}">
-                <a14:hiddenLine xmlns:a14="http://schemas.microsoft.com/office/drawing/2010/main" xmlns="" w="9525">
+                <a14:hiddenLine xmlns="" xmlns:a14="http://schemas.microsoft.com/office/drawing/2010/main" w="9525">
                   <a:solidFill>
                     <a:srgbClr val="000000"/>
                   </a:solidFill>
@@ -556,7 +560,7 @@
             </a:ln>
             <a:extLst>
               <a:ext uri="{91240B29-F687-4f45-9708-019B960494DF}">
-                <a14:hiddenLine xmlns:a14="http://schemas.microsoft.com/office/drawing/2010/main" xmlns="" w="9525">
+                <a14:hiddenLine xmlns="" xmlns:a14="http://schemas.microsoft.com/office/drawing/2010/main" w="9525">
                   <a:solidFill>
                     <a:srgbClr val="000000"/>
                   </a:solidFill>
@@ -618,7 +622,7 @@
             </a:ln>
             <a:extLst>
               <a:ext uri="{91240B29-F687-4f45-9708-019B960494DF}">
-                <a14:hiddenLine xmlns:a14="http://schemas.microsoft.com/office/drawing/2010/main" xmlns="" w="9525">
+                <a14:hiddenLine xmlns="" xmlns:a14="http://schemas.microsoft.com/office/drawing/2010/main" w="9525">
                   <a:solidFill>
                     <a:srgbClr val="000000"/>
                   </a:solidFill>
@@ -680,7 +684,7 @@
             </a:ln>
             <a:extLst>
               <a:ext uri="{91240B29-F687-4f45-9708-019B960494DF}">
-                <a14:hiddenLine xmlns:a14="http://schemas.microsoft.com/office/drawing/2010/main" xmlns="" w="9525">
+                <a14:hiddenLine xmlns="" xmlns:a14="http://schemas.microsoft.com/office/drawing/2010/main" w="9525">
                   <a:solidFill>
                     <a:srgbClr val="000000"/>
                   </a:solidFill>
@@ -770,7 +774,7 @@
             </a:ln>
             <a:extLst>
               <a:ext uri="{91240B29-F687-4f45-9708-019B960494DF}">
-                <a14:hiddenLine xmlns:a14="http://schemas.microsoft.com/office/drawing/2010/main" xmlns="" w="9525">
+                <a14:hiddenLine xmlns="" xmlns:a14="http://schemas.microsoft.com/office/drawing/2010/main" w="9525">
                   <a:solidFill>
                     <a:srgbClr val="000000"/>
                   </a:solidFill>
@@ -832,7 +836,7 @@
             </a:ln>
             <a:extLst>
               <a:ext uri="{91240B29-F687-4f45-9708-019B960494DF}">
-                <a14:hiddenLine xmlns:a14="http://schemas.microsoft.com/office/drawing/2010/main" xmlns="" w="9525">
+                <a14:hiddenLine xmlns="" xmlns:a14="http://schemas.microsoft.com/office/drawing/2010/main" w="9525">
                   <a:solidFill>
                     <a:srgbClr val="000000"/>
                   </a:solidFill>
@@ -894,7 +898,7 @@
             </a:ln>
             <a:extLst>
               <a:ext uri="{91240B29-F687-4f45-9708-019B960494DF}">
-                <a14:hiddenLine xmlns:a14="http://schemas.microsoft.com/office/drawing/2010/main" xmlns="" w="9525">
+                <a14:hiddenLine xmlns="" xmlns:a14="http://schemas.microsoft.com/office/drawing/2010/main" w="9525">
                   <a:solidFill>
                     <a:srgbClr val="000000"/>
                   </a:solidFill>
@@ -984,7 +988,7 @@
             </a:ln>
             <a:extLst>
               <a:ext uri="{91240B29-F687-4f45-9708-019B960494DF}">
-                <a14:hiddenLine xmlns:a14="http://schemas.microsoft.com/office/drawing/2010/main" xmlns="" w="9525">
+                <a14:hiddenLine xmlns="" xmlns:a14="http://schemas.microsoft.com/office/drawing/2010/main" w="9525">
                   <a:solidFill>
                     <a:srgbClr val="000000"/>
                   </a:solidFill>
@@ -1074,7 +1078,7 @@
             </a:ln>
             <a:extLst>
               <a:ext uri="{91240B29-F687-4f45-9708-019B960494DF}">
-                <a14:hiddenLine xmlns:a14="http://schemas.microsoft.com/office/drawing/2010/main" xmlns="" w="9525">
+                <a14:hiddenLine xmlns="" xmlns:a14="http://schemas.microsoft.com/office/drawing/2010/main" w="9525">
                   <a:solidFill>
                     <a:srgbClr val="000000"/>
                   </a:solidFill>
@@ -1136,7 +1140,7 @@
             </a:ln>
             <a:extLst>
               <a:ext uri="{91240B29-F687-4f45-9708-019B960494DF}">
-                <a14:hiddenLine xmlns:a14="http://schemas.microsoft.com/office/drawing/2010/main" xmlns="" w="9525">
+                <a14:hiddenLine xmlns="" xmlns:a14="http://schemas.microsoft.com/office/drawing/2010/main" w="9525">
                   <a:solidFill>
                     <a:srgbClr val="000000"/>
                   </a:solidFill>
@@ -1246,7 +1250,7 @@
             </a:ln>
             <a:extLst>
               <a:ext uri="{91240B29-F687-4f45-9708-019B960494DF}">
-                <a14:hiddenLine xmlns:a14="http://schemas.microsoft.com/office/drawing/2010/main" xmlns="" w="9525">
+                <a14:hiddenLine xmlns="" xmlns:a14="http://schemas.microsoft.com/office/drawing/2010/main" w="9525">
                   <a:solidFill>
                     <a:srgbClr val="000000"/>
                   </a:solidFill>
@@ -1308,7 +1312,7 @@
             </a:ln>
             <a:extLst>
               <a:ext uri="{91240B29-F687-4f45-9708-019B960494DF}">
-                <a14:hiddenLine xmlns:a14="http://schemas.microsoft.com/office/drawing/2010/main" xmlns="" w="9525">
+                <a14:hiddenLine xmlns="" xmlns:a14="http://schemas.microsoft.com/office/drawing/2010/main" w="9525">
                   <a:solidFill>
                     <a:srgbClr val="000000"/>
                   </a:solidFill>
@@ -1398,7 +1402,7 @@
             </a:ln>
             <a:extLst>
               <a:ext uri="{91240B29-F687-4f45-9708-019B960494DF}">
-                <a14:hiddenLine xmlns:a14="http://schemas.microsoft.com/office/drawing/2010/main" xmlns="" w="9525">
+                <a14:hiddenLine xmlns="" xmlns:a14="http://schemas.microsoft.com/office/drawing/2010/main" w="9525">
                   <a:solidFill>
                     <a:srgbClr val="000000"/>
                   </a:solidFill>
@@ -1488,7 +1492,7 @@
             </a:ln>
             <a:extLst>
               <a:ext uri="{91240B29-F687-4f45-9708-019B960494DF}">
-                <a14:hiddenLine xmlns:a14="http://schemas.microsoft.com/office/drawing/2010/main" xmlns="" w="9525">
+                <a14:hiddenLine xmlns="" xmlns:a14="http://schemas.microsoft.com/office/drawing/2010/main" w="9525">
                   <a:solidFill>
                     <a:srgbClr val="000000"/>
                   </a:solidFill>
@@ -1550,7 +1554,7 @@
             </a:ln>
             <a:extLst>
               <a:ext uri="{91240B29-F687-4f45-9708-019B960494DF}">
-                <a14:hiddenLine xmlns:a14="http://schemas.microsoft.com/office/drawing/2010/main" xmlns="" w="9525">
+                <a14:hiddenLine xmlns="" xmlns:a14="http://schemas.microsoft.com/office/drawing/2010/main" w="9525">
                   <a:solidFill>
                     <a:srgbClr val="000000"/>
                   </a:solidFill>
@@ -1640,7 +1644,7 @@
             </a:ln>
             <a:extLst>
               <a:ext uri="{91240B29-F687-4f45-9708-019B960494DF}">
-                <a14:hiddenLine xmlns:a14="http://schemas.microsoft.com/office/drawing/2010/main" xmlns="" w="9525">
+                <a14:hiddenLine xmlns="" xmlns:a14="http://schemas.microsoft.com/office/drawing/2010/main" w="9525">
                   <a:solidFill>
                     <a:srgbClr val="000000"/>
                   </a:solidFill>
@@ -1730,7 +1734,7 @@
             </a:ln>
             <a:extLst>
               <a:ext uri="{91240B29-F687-4f45-9708-019B960494DF}">
-                <a14:hiddenLine xmlns:a14="http://schemas.microsoft.com/office/drawing/2010/main" xmlns="" w="9525">
+                <a14:hiddenLine xmlns="" xmlns:a14="http://schemas.microsoft.com/office/drawing/2010/main" w="9525">
                   <a:solidFill>
                     <a:srgbClr val="000000"/>
                   </a:solidFill>
@@ -1786,7 +1790,7 @@
             </a:ln>
             <a:extLst>
               <a:ext uri="{91240B29-F687-4f45-9708-019B960494DF}">
-                <a14:hiddenLine xmlns:a14="http://schemas.microsoft.com/office/drawing/2010/main" xmlns="" w="9525">
+                <a14:hiddenLine xmlns="" xmlns:a14="http://schemas.microsoft.com/office/drawing/2010/main" w="9525">
                   <a:solidFill>
                     <a:srgbClr val="000000"/>
                   </a:solidFill>
@@ -1876,7 +1880,7 @@
             </a:ln>
             <a:extLst>
               <a:ext uri="{91240B29-F687-4f45-9708-019B960494DF}">
-                <a14:hiddenLine xmlns:a14="http://schemas.microsoft.com/office/drawing/2010/main" xmlns="" w="9525">
+                <a14:hiddenLine xmlns="" xmlns:a14="http://schemas.microsoft.com/office/drawing/2010/main" w="9525">
                   <a:solidFill>
                     <a:srgbClr val="000000"/>
                   </a:solidFill>
@@ -1932,7 +1936,7 @@
             </a:ln>
             <a:extLst>
               <a:ext uri="{91240B29-F687-4f45-9708-019B960494DF}">
-                <a14:hiddenLine xmlns:a14="http://schemas.microsoft.com/office/drawing/2010/main" xmlns="" w="9525">
+                <a14:hiddenLine xmlns="" xmlns:a14="http://schemas.microsoft.com/office/drawing/2010/main" w="9525">
                   <a:solidFill>
                     <a:srgbClr val="000000"/>
                   </a:solidFill>
@@ -2022,7 +2026,7 @@
             </a:ln>
             <a:extLst>
               <a:ext uri="{91240B29-F687-4f45-9708-019B960494DF}">
-                <a14:hiddenLine xmlns:a14="http://schemas.microsoft.com/office/drawing/2010/main" xmlns="" w="9525">
+                <a14:hiddenLine xmlns="" xmlns:a14="http://schemas.microsoft.com/office/drawing/2010/main" w="9525">
                   <a:solidFill>
                     <a:srgbClr val="000000"/>
                   </a:solidFill>
@@ -2090,7 +2094,7 @@
             </a:ln>
             <a:extLst>
               <a:ext uri="{91240B29-F687-4f45-9708-019B960494DF}">
-                <a14:hiddenLine xmlns:a14="http://schemas.microsoft.com/office/drawing/2010/main" xmlns="" w="9525">
+                <a14:hiddenLine xmlns="" xmlns:a14="http://schemas.microsoft.com/office/drawing/2010/main" w="9525">
                   <a:solidFill>
                     <a:srgbClr val="000000"/>
                   </a:solidFill>
@@ -2180,7 +2184,7 @@
             </a:ln>
             <a:extLst>
               <a:ext uri="{91240B29-F687-4f45-9708-019B960494DF}">
-                <a14:hiddenLine xmlns:a14="http://schemas.microsoft.com/office/drawing/2010/main" xmlns="" w="9525">
+                <a14:hiddenLine xmlns="" xmlns:a14="http://schemas.microsoft.com/office/drawing/2010/main" w="9525">
                   <a:solidFill>
                     <a:srgbClr val="000000"/>
                   </a:solidFill>
@@ -2248,7 +2252,7 @@
             </a:ln>
             <a:extLst>
               <a:ext uri="{91240B29-F687-4f45-9708-019B960494DF}">
-                <a14:hiddenLine xmlns:a14="http://schemas.microsoft.com/office/drawing/2010/main" xmlns="" w="9525">
+                <a14:hiddenLine xmlns="" xmlns:a14="http://schemas.microsoft.com/office/drawing/2010/main" w="9525">
                   <a:solidFill>
                     <a:srgbClr val="000000"/>
                   </a:solidFill>
@@ -2338,7 +2342,7 @@
             </a:ln>
             <a:extLst>
               <a:ext uri="{91240B29-F687-4f45-9708-019B960494DF}">
-                <a14:hiddenLine xmlns:a14="http://schemas.microsoft.com/office/drawing/2010/main" xmlns="" w="9525">
+                <a14:hiddenLine xmlns="" xmlns:a14="http://schemas.microsoft.com/office/drawing/2010/main" w="9525">
                   <a:solidFill>
                     <a:srgbClr val="000000"/>
                   </a:solidFill>
@@ -2372,7 +2376,7 @@
             </a:ln>
             <a:extLst>
               <a:ext uri="{91240B29-F687-4f45-9708-019B960494DF}">
-                <a14:hiddenLine xmlns:a14="http://schemas.microsoft.com/office/drawing/2010/main" xmlns="" w="9525">
+                <a14:hiddenLine xmlns="" xmlns:a14="http://schemas.microsoft.com/office/drawing/2010/main" w="9525">
                   <a:solidFill>
                     <a:srgbClr val="000000"/>
                   </a:solidFill>
@@ -2462,7 +2466,7 @@
             </a:ln>
             <a:extLst>
               <a:ext uri="{91240B29-F687-4f45-9708-019B960494DF}">
-                <a14:hiddenLine xmlns:a14="http://schemas.microsoft.com/office/drawing/2010/main" xmlns="" w="9525">
+                <a14:hiddenLine xmlns="" xmlns:a14="http://schemas.microsoft.com/office/drawing/2010/main" w="9525">
                   <a:solidFill>
                     <a:srgbClr val="000000"/>
                   </a:solidFill>
@@ -2524,7 +2528,7 @@
             </a:ln>
             <a:extLst>
               <a:ext uri="{91240B29-F687-4f45-9708-019B960494DF}">
-                <a14:hiddenLine xmlns:a14="http://schemas.microsoft.com/office/drawing/2010/main" xmlns="" w="9525">
+                <a14:hiddenLine xmlns="" xmlns:a14="http://schemas.microsoft.com/office/drawing/2010/main" w="9525">
                   <a:solidFill>
                     <a:srgbClr val="000000"/>
                   </a:solidFill>
@@ -2586,7 +2590,7 @@
             </a:ln>
             <a:extLst>
               <a:ext uri="{91240B29-F687-4f45-9708-019B960494DF}">
-                <a14:hiddenLine xmlns:a14="http://schemas.microsoft.com/office/drawing/2010/main" xmlns="" w="9525">
+                <a14:hiddenLine xmlns="" xmlns:a14="http://schemas.microsoft.com/office/drawing/2010/main" w="9525">
                   <a:solidFill>
                     <a:srgbClr val="000000"/>
                   </a:solidFill>
@@ -2676,7 +2680,7 @@
             </a:ln>
             <a:extLst>
               <a:ext uri="{91240B29-F687-4f45-9708-019B960494DF}">
-                <a14:hiddenLine xmlns:a14="http://schemas.microsoft.com/office/drawing/2010/main" xmlns="" w="9525">
+                <a14:hiddenLine xmlns="" xmlns:a14="http://schemas.microsoft.com/office/drawing/2010/main" w="9525">
                   <a:solidFill>
                     <a:srgbClr val="000000"/>
                   </a:solidFill>
@@ -2744,7 +2748,7 @@
             </a:ln>
             <a:extLst>
               <a:ext uri="{91240B29-F687-4f45-9708-019B960494DF}">
-                <a14:hiddenLine xmlns:a14="http://schemas.microsoft.com/office/drawing/2010/main" xmlns="" w="9525">
+                <a14:hiddenLine xmlns="" xmlns:a14="http://schemas.microsoft.com/office/drawing/2010/main" w="9525">
                   <a:solidFill>
                     <a:srgbClr val="000000"/>
                   </a:solidFill>
@@ -2806,7 +2810,7 @@
             </a:ln>
             <a:extLst>
               <a:ext uri="{91240B29-F687-4f45-9708-019B960494DF}">
-                <a14:hiddenLine xmlns:a14="http://schemas.microsoft.com/office/drawing/2010/main" xmlns="" w="9525">
+                <a14:hiddenLine xmlns="" xmlns:a14="http://schemas.microsoft.com/office/drawing/2010/main" w="9525">
                   <a:solidFill>
                     <a:srgbClr val="000000"/>
                   </a:solidFill>
@@ -2896,7 +2900,7 @@
             </a:ln>
             <a:extLst>
               <a:ext uri="{91240B29-F687-4f45-9708-019B960494DF}">
-                <a14:hiddenLine xmlns:a14="http://schemas.microsoft.com/office/drawing/2010/main" xmlns="" w="9525">
+                <a14:hiddenLine xmlns="" xmlns:a14="http://schemas.microsoft.com/office/drawing/2010/main" w="9525">
                   <a:solidFill>
                     <a:srgbClr val="000000"/>
                   </a:solidFill>
@@ -2958,7 +2962,7 @@
             </a:ln>
             <a:extLst>
               <a:ext uri="{91240B29-F687-4f45-9708-019B960494DF}">
-                <a14:hiddenLine xmlns:a14="http://schemas.microsoft.com/office/drawing/2010/main" xmlns="" w="9525">
+                <a14:hiddenLine xmlns="" xmlns:a14="http://schemas.microsoft.com/office/drawing/2010/main" w="9525">
                   <a:solidFill>
                     <a:srgbClr val="000000"/>
                   </a:solidFill>
@@ -3048,7 +3052,7 @@
             </a:ln>
             <a:extLst>
               <a:ext uri="{91240B29-F687-4f45-9708-019B960494DF}">
-                <a14:hiddenLine xmlns:a14="http://schemas.microsoft.com/office/drawing/2010/main" xmlns="" w="9525">
+                <a14:hiddenLine xmlns="" xmlns:a14="http://schemas.microsoft.com/office/drawing/2010/main" w="9525">
                   <a:solidFill>
                     <a:srgbClr val="000000"/>
                   </a:solidFill>
@@ -3110,7 +3114,7 @@
             </a:ln>
             <a:extLst>
               <a:ext uri="{91240B29-F687-4f45-9708-019B960494DF}">
-                <a14:hiddenLine xmlns:a14="http://schemas.microsoft.com/office/drawing/2010/main" xmlns="" w="9525">
+                <a14:hiddenLine xmlns="" xmlns:a14="http://schemas.microsoft.com/office/drawing/2010/main" w="9525">
                   <a:solidFill>
                     <a:srgbClr val="000000"/>
                   </a:solidFill>
@@ -3200,7 +3204,7 @@
             </a:ln>
             <a:extLst>
               <a:ext uri="{91240B29-F687-4f45-9708-019B960494DF}">
-                <a14:hiddenLine xmlns:a14="http://schemas.microsoft.com/office/drawing/2010/main" xmlns="" w="9525">
+                <a14:hiddenLine xmlns="" xmlns:a14="http://schemas.microsoft.com/office/drawing/2010/main" w="9525">
                   <a:solidFill>
                     <a:srgbClr val="000000"/>
                   </a:solidFill>
@@ -3234,7 +3238,7 @@
             </a:ln>
             <a:extLst>
               <a:ext uri="{91240B29-F687-4f45-9708-019B960494DF}">
-                <a14:hiddenLine xmlns:a14="http://schemas.microsoft.com/office/drawing/2010/main" xmlns="" w="9525">
+                <a14:hiddenLine xmlns="" xmlns:a14="http://schemas.microsoft.com/office/drawing/2010/main" w="9525">
                   <a:solidFill>
                     <a:srgbClr val="000000"/>
                   </a:solidFill>
@@ -3299,7 +3303,7 @@
             </a:ln>
             <a:extLst>
               <a:ext uri="{91240B29-F687-4f45-9708-019B960494DF}">
-                <a14:hiddenLine xmlns:a14="http://schemas.microsoft.com/office/drawing/2010/main" xmlns="" w="9525">
+                <a14:hiddenLine xmlns="" xmlns:a14="http://schemas.microsoft.com/office/drawing/2010/main" w="9525">
                   <a:solidFill>
                     <a:srgbClr val="000000"/>
                   </a:solidFill>
@@ -3389,7 +3393,7 @@
             </a:ln>
             <a:extLst>
               <a:ext uri="{91240B29-F687-4f45-9708-019B960494DF}">
-                <a14:hiddenLine xmlns:a14="http://schemas.microsoft.com/office/drawing/2010/main" xmlns="" w="9525">
+                <a14:hiddenLine xmlns="" xmlns:a14="http://schemas.microsoft.com/office/drawing/2010/main" w="9525">
                   <a:solidFill>
                     <a:srgbClr val="000000"/>
                   </a:solidFill>
@@ -3451,7 +3455,7 @@
             </a:ln>
             <a:extLst>
               <a:ext uri="{91240B29-F687-4f45-9708-019B960494DF}">
-                <a14:hiddenLine xmlns:a14="http://schemas.microsoft.com/office/drawing/2010/main" xmlns="" w="9525">
+                <a14:hiddenLine xmlns="" xmlns:a14="http://schemas.microsoft.com/office/drawing/2010/main" w="9525">
                   <a:solidFill>
                     <a:srgbClr val="000000"/>
                   </a:solidFill>
@@ -3541,7 +3545,7 @@
             </a:ln>
             <a:extLst>
               <a:ext uri="{91240B29-F687-4f45-9708-019B960494DF}">
-                <a14:hiddenLine xmlns:a14="http://schemas.microsoft.com/office/drawing/2010/main" xmlns="" w="9525">
+                <a14:hiddenLine xmlns="" xmlns:a14="http://schemas.microsoft.com/office/drawing/2010/main" w="9525">
                   <a:solidFill>
                     <a:srgbClr val="000000"/>
                   </a:solidFill>
@@ -3631,7 +3635,7 @@
             </a:ln>
             <a:extLst>
               <a:ext uri="{91240B29-F687-4f45-9708-019B960494DF}">
-                <a14:hiddenLine xmlns:a14="http://schemas.microsoft.com/office/drawing/2010/main" xmlns="" w="9525">
+                <a14:hiddenLine xmlns="" xmlns:a14="http://schemas.microsoft.com/office/drawing/2010/main" w="9525">
                   <a:solidFill>
                     <a:srgbClr val="000000"/>
                   </a:solidFill>
@@ -3696,7 +3700,7 @@
             </a:ln>
             <a:extLst>
               <a:ext uri="{91240B29-F687-4f45-9708-019B960494DF}">
-                <a14:hiddenLine xmlns:a14="http://schemas.microsoft.com/office/drawing/2010/main" xmlns="" w="9525">
+                <a14:hiddenLine xmlns="" xmlns:a14="http://schemas.microsoft.com/office/drawing/2010/main" w="9525">
                   <a:solidFill>
                     <a:srgbClr val="000000"/>
                   </a:solidFill>
@@ -3758,7 +3762,7 @@
             </a:ln>
             <a:extLst>
               <a:ext uri="{91240B29-F687-4f45-9708-019B960494DF}">
-                <a14:hiddenLine xmlns:a14="http://schemas.microsoft.com/office/drawing/2010/main" xmlns="" w="9525">
+                <a14:hiddenLine xmlns="" xmlns:a14="http://schemas.microsoft.com/office/drawing/2010/main" w="9525">
                   <a:solidFill>
                     <a:srgbClr val="000000"/>
                   </a:solidFill>
@@ -3848,7 +3852,7 @@
             </a:ln>
             <a:extLst>
               <a:ext uri="{91240B29-F687-4f45-9708-019B960494DF}">
-                <a14:hiddenLine xmlns:a14="http://schemas.microsoft.com/office/drawing/2010/main" xmlns="" w="9525">
+                <a14:hiddenLine xmlns="" xmlns:a14="http://schemas.microsoft.com/office/drawing/2010/main" w="9525">
                   <a:solidFill>
                     <a:srgbClr val="000000"/>
                   </a:solidFill>
@@ -3938,7 +3942,7 @@
             </a:ln>
             <a:extLst>
               <a:ext uri="{91240B29-F687-4f45-9708-019B960494DF}">
-                <a14:hiddenLine xmlns:a14="http://schemas.microsoft.com/office/drawing/2010/main" xmlns="" w="9525">
+                <a14:hiddenLine xmlns="" xmlns:a14="http://schemas.microsoft.com/office/drawing/2010/main" w="9525">
                   <a:solidFill>
                     <a:srgbClr val="000000"/>
                   </a:solidFill>
@@ -4000,7 +4004,7 @@
             </a:ln>
             <a:extLst>
               <a:ext uri="{91240B29-F687-4f45-9708-019B960494DF}">
-                <a14:hiddenLine xmlns:a14="http://schemas.microsoft.com/office/drawing/2010/main" xmlns="" w="9525">
+                <a14:hiddenLine xmlns="" xmlns:a14="http://schemas.microsoft.com/office/drawing/2010/main" w="9525">
                   <a:solidFill>
                     <a:srgbClr val="000000"/>
                   </a:solidFill>
@@ -4120,7 +4124,7 @@
             </a:ln>
             <a:extLst>
               <a:ext uri="{91240B29-F687-4f45-9708-019B960494DF}">
-                <a14:hiddenLine xmlns:a14="http://schemas.microsoft.com/office/drawing/2010/main" xmlns="" w="9525">
+                <a14:hiddenLine xmlns="" xmlns:a14="http://schemas.microsoft.com/office/drawing/2010/main" w="9525">
                   <a:solidFill>
                     <a:srgbClr val="000000"/>
                   </a:solidFill>
@@ -4188,7 +4192,7 @@
             </a:ln>
             <a:extLst>
               <a:ext uri="{91240B29-F687-4f45-9708-019B960494DF}">
-                <a14:hiddenLine xmlns:a14="http://schemas.microsoft.com/office/drawing/2010/main" xmlns="" w="9525">
+                <a14:hiddenLine xmlns="" xmlns:a14="http://schemas.microsoft.com/office/drawing/2010/main" w="9525">
                   <a:solidFill>
                     <a:srgbClr val="000000"/>
                   </a:solidFill>
@@ -4278,7 +4282,7 @@
             </a:ln>
             <a:extLst>
               <a:ext uri="{91240B29-F687-4f45-9708-019B960494DF}">
-                <a14:hiddenLine xmlns:a14="http://schemas.microsoft.com/office/drawing/2010/main" xmlns="" w="9525">
+                <a14:hiddenLine xmlns="" xmlns:a14="http://schemas.microsoft.com/office/drawing/2010/main" w="9525">
                   <a:solidFill>
                     <a:srgbClr val="000000"/>
                   </a:solidFill>
@@ -9085,7 +9089,7 @@
           <a:noFill/>
           <a:extLst>
             <a:ext uri="{909E8E84-426E-40dd-AFC4-6F175D3DCCD1}">
-              <a14:hiddenFill xmlns:a14="http://schemas.microsoft.com/office/drawing/2010/main" xmlns="">
+              <a14:hiddenFill xmlns="" xmlns:a14="http://schemas.microsoft.com/office/drawing/2010/main">
                 <a:solidFill>
                   <a:srgbClr val="FFFFFF"/>
                 </a:solidFill>
@@ -9159,7 +9163,7 @@
               </a:ln>
               <a:extLst>
                 <a:ext uri="{91240B29-F687-4f45-9708-019B960494DF}">
-                  <a14:hiddenLine xmlns:a14="http://schemas.microsoft.com/office/drawing/2010/main" xmlns="" w="9525">
+                  <a14:hiddenLine xmlns="" xmlns:a14="http://schemas.microsoft.com/office/drawing/2010/main" w="9525">
                     <a:solidFill>
                       <a:srgbClr val="000000"/>
                     </a:solidFill>
@@ -9249,7 +9253,7 @@
               </a:ln>
               <a:extLst>
                 <a:ext uri="{91240B29-F687-4f45-9708-019B960494DF}">
-                  <a14:hiddenLine xmlns:a14="http://schemas.microsoft.com/office/drawing/2010/main" xmlns="" w="9525">
+                  <a14:hiddenLine xmlns="" xmlns:a14="http://schemas.microsoft.com/office/drawing/2010/main" w="9525">
                     <a:solidFill>
                       <a:srgbClr val="000000"/>
                     </a:solidFill>
@@ -9339,7 +9343,7 @@
               </a:ln>
               <a:extLst>
                 <a:ext uri="{91240B29-F687-4f45-9708-019B960494DF}">
-                  <a14:hiddenLine xmlns:a14="http://schemas.microsoft.com/office/drawing/2010/main" xmlns="" w="9525">
+                  <a14:hiddenLine xmlns="" xmlns:a14="http://schemas.microsoft.com/office/drawing/2010/main" w="9525">
                     <a:solidFill>
                       <a:srgbClr val="000000"/>
                     </a:solidFill>
@@ -9401,7 +9405,7 @@
               </a:ln>
               <a:extLst>
                 <a:ext uri="{91240B29-F687-4f45-9708-019B960494DF}">
-                  <a14:hiddenLine xmlns:a14="http://schemas.microsoft.com/office/drawing/2010/main" xmlns="" w="9525">
+                  <a14:hiddenLine xmlns="" xmlns:a14="http://schemas.microsoft.com/office/drawing/2010/main" w="9525">
                     <a:solidFill>
                       <a:srgbClr val="000000"/>
                     </a:solidFill>
@@ -9491,7 +9495,7 @@
               </a:ln>
               <a:extLst>
                 <a:ext uri="{91240B29-F687-4f45-9708-019B960494DF}">
-                  <a14:hiddenLine xmlns:a14="http://schemas.microsoft.com/office/drawing/2010/main" xmlns="" w="9525">
+                  <a14:hiddenLine xmlns="" xmlns:a14="http://schemas.microsoft.com/office/drawing/2010/main" w="9525">
                     <a:solidFill>
                       <a:srgbClr val="000000"/>
                     </a:solidFill>
@@ -9553,7 +9557,7 @@
               </a:ln>
               <a:extLst>
                 <a:ext uri="{91240B29-F687-4f45-9708-019B960494DF}">
-                  <a14:hiddenLine xmlns:a14="http://schemas.microsoft.com/office/drawing/2010/main" xmlns="" w="9525">
+                  <a14:hiddenLine xmlns="" xmlns:a14="http://schemas.microsoft.com/office/drawing/2010/main" w="9525">
                     <a:solidFill>
                       <a:srgbClr val="000000"/>
                     </a:solidFill>
@@ -9615,7 +9619,7 @@
               </a:ln>
               <a:extLst>
                 <a:ext uri="{91240B29-F687-4f45-9708-019B960494DF}">
-                  <a14:hiddenLine xmlns:a14="http://schemas.microsoft.com/office/drawing/2010/main" xmlns="" w="9525">
+                  <a14:hiddenLine xmlns="" xmlns:a14="http://schemas.microsoft.com/office/drawing/2010/main" w="9525">
                     <a:solidFill>
                       <a:srgbClr val="000000"/>
                     </a:solidFill>
@@ -9705,7 +9709,7 @@
               </a:ln>
               <a:extLst>
                 <a:ext uri="{91240B29-F687-4f45-9708-019B960494DF}">
-                  <a14:hiddenLine xmlns:a14="http://schemas.microsoft.com/office/drawing/2010/main" xmlns="" w="9525">
+                  <a14:hiddenLine xmlns="" xmlns:a14="http://schemas.microsoft.com/office/drawing/2010/main" w="9525">
                     <a:solidFill>
                       <a:srgbClr val="000000"/>
                     </a:solidFill>
@@ -9795,7 +9799,7 @@
               </a:ln>
               <a:extLst>
                 <a:ext uri="{91240B29-F687-4f45-9708-019B960494DF}">
-                  <a14:hiddenLine xmlns:a14="http://schemas.microsoft.com/office/drawing/2010/main" xmlns="" w="9525">
+                  <a14:hiddenLine xmlns="" xmlns:a14="http://schemas.microsoft.com/office/drawing/2010/main" w="9525">
                     <a:solidFill>
                       <a:srgbClr val="000000"/>
                     </a:solidFill>
@@ -9857,7 +9861,7 @@
               </a:ln>
               <a:extLst>
                 <a:ext uri="{91240B29-F687-4f45-9708-019B960494DF}">
-                  <a14:hiddenLine xmlns:a14="http://schemas.microsoft.com/office/drawing/2010/main" xmlns="" w="9525">
+                  <a14:hiddenLine xmlns="" xmlns:a14="http://schemas.microsoft.com/office/drawing/2010/main" w="9525">
                     <a:solidFill>
                       <a:srgbClr val="000000"/>
                     </a:solidFill>
@@ -9967,7 +9971,7 @@
               </a:ln>
               <a:extLst>
                 <a:ext uri="{91240B29-F687-4f45-9708-019B960494DF}">
-                  <a14:hiddenLine xmlns:a14="http://schemas.microsoft.com/office/drawing/2010/main" xmlns="" w="9525">
+                  <a14:hiddenLine xmlns="" xmlns:a14="http://schemas.microsoft.com/office/drawing/2010/main" w="9525">
                     <a:solidFill>
                       <a:srgbClr val="000000"/>
                     </a:solidFill>
@@ -10051,7 +10055,7 @@
               </a:ln>
               <a:extLst>
                 <a:ext uri="{91240B29-F687-4f45-9708-019B960494DF}">
-                  <a14:hiddenLine xmlns:a14="http://schemas.microsoft.com/office/drawing/2010/main" xmlns="" w="9525">
+                  <a14:hiddenLine xmlns="" xmlns:a14="http://schemas.microsoft.com/office/drawing/2010/main" w="9525">
                     <a:solidFill>
                       <a:srgbClr val="000000"/>
                     </a:solidFill>
@@ -10113,7 +10117,7 @@
               </a:ln>
               <a:extLst>
                 <a:ext uri="{91240B29-F687-4f45-9708-019B960494DF}">
-                  <a14:hiddenLine xmlns:a14="http://schemas.microsoft.com/office/drawing/2010/main" xmlns="" w="9525">
+                  <a14:hiddenLine xmlns="" xmlns:a14="http://schemas.microsoft.com/office/drawing/2010/main" w="9525">
                     <a:solidFill>
                       <a:srgbClr val="000000"/>
                     </a:solidFill>
@@ -10175,7 +10179,7 @@
               </a:ln>
               <a:extLst>
                 <a:ext uri="{91240B29-F687-4f45-9708-019B960494DF}">
-                  <a14:hiddenLine xmlns:a14="http://schemas.microsoft.com/office/drawing/2010/main" xmlns="" w="9525">
+                  <a14:hiddenLine xmlns="" xmlns:a14="http://schemas.microsoft.com/office/drawing/2010/main" w="9525">
                     <a:solidFill>
                       <a:srgbClr val="000000"/>
                     </a:solidFill>
@@ -10265,7 +10269,7 @@
               </a:ln>
               <a:extLst>
                 <a:ext uri="{91240B29-F687-4f45-9708-019B960494DF}">
-                  <a14:hiddenLine xmlns:a14="http://schemas.microsoft.com/office/drawing/2010/main" xmlns="" w="9525">
+                  <a14:hiddenLine xmlns="" xmlns:a14="http://schemas.microsoft.com/office/drawing/2010/main" w="9525">
                     <a:solidFill>
                       <a:srgbClr val="000000"/>
                     </a:solidFill>
@@ -10299,7 +10303,7 @@
               </a:ln>
               <a:extLst>
                 <a:ext uri="{91240B29-F687-4f45-9708-019B960494DF}">
-                  <a14:hiddenLine xmlns:a14="http://schemas.microsoft.com/office/drawing/2010/main" xmlns="" w="9525">
+                  <a14:hiddenLine xmlns="" xmlns:a14="http://schemas.microsoft.com/office/drawing/2010/main" w="9525">
                     <a:solidFill>
                       <a:srgbClr val="000000"/>
                     </a:solidFill>
@@ -10364,7 +10368,7 @@
               </a:ln>
               <a:extLst>
                 <a:ext uri="{91240B29-F687-4f45-9708-019B960494DF}">
-                  <a14:hiddenLine xmlns:a14="http://schemas.microsoft.com/office/drawing/2010/main" xmlns="" w="9525">
+                  <a14:hiddenLine xmlns="" xmlns:a14="http://schemas.microsoft.com/office/drawing/2010/main" w="9525">
                     <a:solidFill>
                       <a:srgbClr val="000000"/>
                     </a:solidFill>
@@ -10454,7 +10458,7 @@
               </a:ln>
               <a:extLst>
                 <a:ext uri="{91240B29-F687-4f45-9708-019B960494DF}">
-                  <a14:hiddenLine xmlns:a14="http://schemas.microsoft.com/office/drawing/2010/main" xmlns="" w="9525">
+                  <a14:hiddenLine xmlns="" xmlns:a14="http://schemas.microsoft.com/office/drawing/2010/main" w="9525">
                     <a:solidFill>
                       <a:srgbClr val="000000"/>
                     </a:solidFill>
@@ -10516,7 +10520,7 @@
               </a:ln>
               <a:extLst>
                 <a:ext uri="{91240B29-F687-4f45-9708-019B960494DF}">
-                  <a14:hiddenLine xmlns:a14="http://schemas.microsoft.com/office/drawing/2010/main" xmlns="" w="9525">
+                  <a14:hiddenLine xmlns="" xmlns:a14="http://schemas.microsoft.com/office/drawing/2010/main" w="9525">
                     <a:solidFill>
                       <a:srgbClr val="000000"/>
                     </a:solidFill>
@@ -10606,7 +10610,7 @@
               </a:ln>
               <a:extLst>
                 <a:ext uri="{91240B29-F687-4f45-9708-019B960494DF}">
-                  <a14:hiddenLine xmlns:a14="http://schemas.microsoft.com/office/drawing/2010/main" xmlns="" w="9525">
+                  <a14:hiddenLine xmlns="" xmlns:a14="http://schemas.microsoft.com/office/drawing/2010/main" w="9525">
                     <a:solidFill>
                       <a:srgbClr val="000000"/>
                     </a:solidFill>
@@ -10671,7 +10675,7 @@
               </a:ln>
               <a:extLst>
                 <a:ext uri="{91240B29-F687-4f45-9708-019B960494DF}">
-                  <a14:hiddenLine xmlns:a14="http://schemas.microsoft.com/office/drawing/2010/main" xmlns="" w="9525">
+                  <a14:hiddenLine xmlns="" xmlns:a14="http://schemas.microsoft.com/office/drawing/2010/main" w="9525">
                     <a:solidFill>
                       <a:srgbClr val="000000"/>
                     </a:solidFill>
@@ -10733,7 +10737,7 @@
               </a:ln>
               <a:extLst>
                 <a:ext uri="{91240B29-F687-4f45-9708-019B960494DF}">
-                  <a14:hiddenLine xmlns:a14="http://schemas.microsoft.com/office/drawing/2010/main" xmlns="" w="9525">
+                  <a14:hiddenLine xmlns="" xmlns:a14="http://schemas.microsoft.com/office/drawing/2010/main" w="9525">
                     <a:solidFill>
                       <a:srgbClr val="000000"/>
                     </a:solidFill>
@@ -10823,7 +10827,7 @@
               </a:ln>
               <a:extLst>
                 <a:ext uri="{91240B29-F687-4f45-9708-019B960494DF}">
-                  <a14:hiddenLine xmlns:a14="http://schemas.microsoft.com/office/drawing/2010/main" xmlns="" w="9525">
+                  <a14:hiddenLine xmlns="" xmlns:a14="http://schemas.microsoft.com/office/drawing/2010/main" w="9525">
                     <a:solidFill>
                       <a:srgbClr val="000000"/>
                     </a:solidFill>
@@ -10913,7 +10917,7 @@
               </a:ln>
               <a:extLst>
                 <a:ext uri="{91240B29-F687-4f45-9708-019B960494DF}">
-                  <a14:hiddenLine xmlns:a14="http://schemas.microsoft.com/office/drawing/2010/main" xmlns="" w="9525">
+                  <a14:hiddenLine xmlns="" xmlns:a14="http://schemas.microsoft.com/office/drawing/2010/main" w="9525">
                     <a:solidFill>
                       <a:srgbClr val="000000"/>
                     </a:solidFill>
@@ -10978,7 +10982,7 @@
               </a:ln>
               <a:extLst>
                 <a:ext uri="{91240B29-F687-4f45-9708-019B960494DF}">
-                  <a14:hiddenLine xmlns:a14="http://schemas.microsoft.com/office/drawing/2010/main" xmlns="" w="9525">
+                  <a14:hiddenLine xmlns="" xmlns:a14="http://schemas.microsoft.com/office/drawing/2010/main" w="9525">
                     <a:solidFill>
                       <a:srgbClr val="000000"/>
                     </a:solidFill>
@@ -11098,7 +11102,7 @@
               </a:ln>
               <a:extLst>
                 <a:ext uri="{91240B29-F687-4f45-9708-019B960494DF}">
-                  <a14:hiddenLine xmlns:a14="http://schemas.microsoft.com/office/drawing/2010/main" xmlns="" w="9525">
+                  <a14:hiddenLine xmlns="" xmlns:a14="http://schemas.microsoft.com/office/drawing/2010/main" w="9525">
                     <a:solidFill>
                       <a:srgbClr val="000000"/>
                     </a:solidFill>
@@ -11196,7 +11200,7 @@
               </a:ln>
               <a:extLst>
                 <a:ext uri="{91240B29-F687-4f45-9708-019B960494DF}">
-                  <a14:hiddenLine xmlns:a14="http://schemas.microsoft.com/office/drawing/2010/main" xmlns="" w="9525">
+                  <a14:hiddenLine xmlns="" xmlns:a14="http://schemas.microsoft.com/office/drawing/2010/main" w="9525">
                     <a:solidFill>
                       <a:srgbClr val="000000"/>
                     </a:solidFill>
@@ -11311,7 +11315,7 @@
               </a:ln>
               <a:extLst>
                 <a:ext uri="{91240B29-F687-4f45-9708-019B960494DF}">
-                  <a14:hiddenLine xmlns:a14="http://schemas.microsoft.com/office/drawing/2010/main" xmlns="" w="9525">
+                  <a14:hiddenLine xmlns="" xmlns:a14="http://schemas.microsoft.com/office/drawing/2010/main" w="9525">
                     <a:solidFill>
                       <a:srgbClr val="000000"/>
                     </a:solidFill>
@@ -11401,7 +11405,7 @@
               </a:ln>
               <a:extLst>
                 <a:ext uri="{91240B29-F687-4f45-9708-019B960494DF}">
-                  <a14:hiddenLine xmlns:a14="http://schemas.microsoft.com/office/drawing/2010/main" xmlns="" w="9525">
+                  <a14:hiddenLine xmlns="" xmlns:a14="http://schemas.microsoft.com/office/drawing/2010/main" w="9525">
                     <a:solidFill>
                       <a:srgbClr val="000000"/>
                     </a:solidFill>
@@ -11466,7 +11470,7 @@
               </a:ln>
               <a:extLst>
                 <a:ext uri="{91240B29-F687-4f45-9708-019B960494DF}">
-                  <a14:hiddenLine xmlns:a14="http://schemas.microsoft.com/office/drawing/2010/main" xmlns="" w="9525">
+                  <a14:hiddenLine xmlns="" xmlns:a14="http://schemas.microsoft.com/office/drawing/2010/main" w="9525">
                     <a:solidFill>
                       <a:srgbClr val="000000"/>
                     </a:solidFill>
@@ -11556,7 +11560,7 @@
               </a:ln>
               <a:extLst>
                 <a:ext uri="{91240B29-F687-4f45-9708-019B960494DF}">
-                  <a14:hiddenLine xmlns:a14="http://schemas.microsoft.com/office/drawing/2010/main" xmlns="" w="9525">
+                  <a14:hiddenLine xmlns="" xmlns:a14="http://schemas.microsoft.com/office/drawing/2010/main" w="9525">
                     <a:solidFill>
                       <a:srgbClr val="000000"/>
                     </a:solidFill>
@@ -11624,7 +11628,7 @@
               </a:ln>
               <a:extLst>
                 <a:ext uri="{91240B29-F687-4f45-9708-019B960494DF}">
-                  <a14:hiddenLine xmlns:a14="http://schemas.microsoft.com/office/drawing/2010/main" xmlns="" w="9525">
+                  <a14:hiddenLine xmlns="" xmlns:a14="http://schemas.microsoft.com/office/drawing/2010/main" w="9525">
                     <a:solidFill>
                       <a:srgbClr val="000000"/>
                     </a:solidFill>
@@ -11714,7 +11718,7 @@
               </a:ln>
               <a:extLst>
                 <a:ext uri="{91240B29-F687-4f45-9708-019B960494DF}">
-                  <a14:hiddenLine xmlns:a14="http://schemas.microsoft.com/office/drawing/2010/main" xmlns="" w="9525">
+                  <a14:hiddenLine xmlns="" xmlns:a14="http://schemas.microsoft.com/office/drawing/2010/main" w="9525">
                     <a:solidFill>
                       <a:srgbClr val="000000"/>
                     </a:solidFill>
@@ -11782,7 +11786,7 @@
               </a:ln>
               <a:extLst>
                 <a:ext uri="{91240B29-F687-4f45-9708-019B960494DF}">
-                  <a14:hiddenLine xmlns:a14="http://schemas.microsoft.com/office/drawing/2010/main" xmlns="" w="9525">
+                  <a14:hiddenLine xmlns="" xmlns:a14="http://schemas.microsoft.com/office/drawing/2010/main" w="9525">
                     <a:solidFill>
                       <a:srgbClr val="000000"/>
                     </a:solidFill>
@@ -11872,7 +11876,7 @@
               </a:ln>
               <a:extLst>
                 <a:ext uri="{91240B29-F687-4f45-9708-019B960494DF}">
-                  <a14:hiddenLine xmlns:a14="http://schemas.microsoft.com/office/drawing/2010/main" xmlns="" w="9525">
+                  <a14:hiddenLine xmlns="" xmlns:a14="http://schemas.microsoft.com/office/drawing/2010/main" w="9525">
                     <a:solidFill>
                       <a:srgbClr val="000000"/>
                     </a:solidFill>
@@ -11906,7 +11910,7 @@
               </a:ln>
               <a:extLst>
                 <a:ext uri="{91240B29-F687-4f45-9708-019B960494DF}">
-                  <a14:hiddenLine xmlns:a14="http://schemas.microsoft.com/office/drawing/2010/main" xmlns="" w="9525">
+                  <a14:hiddenLine xmlns="" xmlns:a14="http://schemas.microsoft.com/office/drawing/2010/main" w="9525">
                     <a:solidFill>
                       <a:srgbClr val="000000"/>
                     </a:solidFill>
@@ -12634,7 +12638,7 @@
             <a:noFill/>
             <a:extLst>
               <a:ext uri="{909E8E84-426E-40dd-AFC4-6F175D3DCCD1}">
-                <a14:hiddenFill xmlns="" xmlns:a16="http://schemas.microsoft.com/office/drawing/2014/main" xmlns:a14="http://schemas.microsoft.com/office/drawing/2010/main" xmlns:p14="http://schemas.microsoft.com/office/powerpoint/2010/main">
+                <a14:hiddenFill xmlns:p14="http://schemas.microsoft.com/office/powerpoint/2010/main" xmlns:a14="http://schemas.microsoft.com/office/drawing/2010/main" xmlns:a16="http://schemas.microsoft.com/office/drawing/2014/main" xmlns="">
                   <a:solidFill>
                     <a:srgbClr val="FFFFFF"/>
                   </a:solidFill>
@@ -15173,6 +15177,491 @@
           <a:chExt cx="0" cy="0"/>
         </a:xfrm>
       </p:grpSpPr>
+      <p:pic>
+        <p:nvPicPr>
+          <p:cNvPr id="5" name="Картина 4">
+            <a:extLst>
+              <a:ext uri="{FF2B5EF4-FFF2-40B4-BE49-F238E27FC236}">
+                <a16:creationId xmlns:a16="http://schemas.microsoft.com/office/drawing/2014/main" id="{698D8676-0349-EC57-040D-D5A4B292AECB}"/>
+              </a:ext>
+            </a:extLst>
+          </p:cNvPr>
+          <p:cNvPicPr>
+            <a:picLocks noChangeAspect="1"/>
+          </p:cNvPicPr>
+          <p:nvPr/>
+        </p:nvPicPr>
+        <p:blipFill>
+          <a:blip r:embed="rId2"/>
+          <a:stretch>
+            <a:fillRect/>
+          </a:stretch>
+        </p:blipFill>
+        <p:spPr>
+          <a:xfrm>
+            <a:off x="0" y="369460"/>
+            <a:ext cx="12192000" cy="6119079"/>
+          </a:xfrm>
+          <a:prstGeom prst="rect">
+            <a:avLst/>
+          </a:prstGeom>
+        </p:spPr>
+      </p:pic>
+    </p:spTree>
+    <p:extLst>
+      <p:ext uri="{BB962C8B-B14F-4D97-AF65-F5344CB8AC3E}">
+        <p14:creationId xmlns:p14="http://schemas.microsoft.com/office/powerpoint/2010/main" val="4122855703"/>
+      </p:ext>
+    </p:extLst>
+  </p:cSld>
+  <p:clrMapOvr>
+    <a:masterClrMapping/>
+  </p:clrMapOvr>
+</p:sld>
+</file>
+
+<file path=ppt/slides/slide11.xml><?xml version="1.0" encoding="utf-8"?>
+<p:sld xmlns:a="http://schemas.openxmlformats.org/drawingml/2006/main" xmlns:r="http://schemas.openxmlformats.org/officeDocument/2006/relationships" xmlns:p="http://schemas.openxmlformats.org/presentationml/2006/main">
+  <p:cSld>
+    <p:spTree>
+      <p:nvGrpSpPr>
+        <p:cNvPr id="1" name=""/>
+        <p:cNvGrpSpPr/>
+        <p:nvPr/>
+      </p:nvGrpSpPr>
+      <p:grpSpPr>
+        <a:xfrm>
+          <a:off x="0" y="0"/>
+          <a:ext cx="0" cy="0"/>
+          <a:chOff x="0" y="0"/>
+          <a:chExt cx="0" cy="0"/>
+        </a:xfrm>
+      </p:grpSpPr>
+      <p:sp>
+        <p:nvSpPr>
+          <p:cNvPr id="2" name="Заглавие 1">
+            <a:extLst>
+              <a:ext uri="{FF2B5EF4-FFF2-40B4-BE49-F238E27FC236}">
+                <a16:creationId xmlns:a16="http://schemas.microsoft.com/office/drawing/2014/main" id="{63145545-95C3-CDBB-3169-246C06F73498}"/>
+              </a:ext>
+            </a:extLst>
+          </p:cNvPr>
+          <p:cNvSpPr>
+            <a:spLocks noGrp="1"/>
+          </p:cNvSpPr>
+          <p:nvPr>
+            <p:ph type="title"/>
+          </p:nvPr>
+        </p:nvSpPr>
+        <p:spPr/>
+        <p:txBody>
+          <a:bodyPr/>
+          <a:lstStyle/>
+          <a:p>
+            <a:endParaRPr lang="bg-BG"/>
+          </a:p>
+        </p:txBody>
+      </p:sp>
+      <p:sp>
+        <p:nvSpPr>
+          <p:cNvPr id="3" name="Контейнер за съдържание 2">
+            <a:extLst>
+              <a:ext uri="{FF2B5EF4-FFF2-40B4-BE49-F238E27FC236}">
+                <a16:creationId xmlns:a16="http://schemas.microsoft.com/office/drawing/2014/main" id="{39418B50-E82B-DF2B-349F-AD3172C25DF7}"/>
+              </a:ext>
+            </a:extLst>
+          </p:cNvPr>
+          <p:cNvSpPr>
+            <a:spLocks noGrp="1"/>
+          </p:cNvSpPr>
+          <p:nvPr>
+            <p:ph idx="1"/>
+          </p:nvPr>
+        </p:nvSpPr>
+        <p:spPr/>
+        <p:txBody>
+          <a:bodyPr/>
+          <a:lstStyle/>
+          <a:p>
+            <a:endParaRPr lang="bg-BG"/>
+          </a:p>
+        </p:txBody>
+      </p:sp>
+      <p:pic>
+        <p:nvPicPr>
+          <p:cNvPr id="5" name="Картина 4">
+            <a:extLst>
+              <a:ext uri="{FF2B5EF4-FFF2-40B4-BE49-F238E27FC236}">
+                <a16:creationId xmlns:a16="http://schemas.microsoft.com/office/drawing/2014/main" id="{268A1846-8E82-4A98-77AF-C374F5F5C4E7}"/>
+              </a:ext>
+            </a:extLst>
+          </p:cNvPr>
+          <p:cNvPicPr>
+            <a:picLocks noChangeAspect="1"/>
+          </p:cNvPicPr>
+          <p:nvPr/>
+        </p:nvPicPr>
+        <p:blipFill>
+          <a:blip r:embed="rId2"/>
+          <a:stretch>
+            <a:fillRect/>
+          </a:stretch>
+        </p:blipFill>
+        <p:spPr>
+          <a:xfrm>
+            <a:off x="0" y="364577"/>
+            <a:ext cx="12192000" cy="6128845"/>
+          </a:xfrm>
+          <a:prstGeom prst="rect">
+            <a:avLst/>
+          </a:prstGeom>
+        </p:spPr>
+      </p:pic>
+    </p:spTree>
+    <p:extLst>
+      <p:ext uri="{BB962C8B-B14F-4D97-AF65-F5344CB8AC3E}">
+        <p14:creationId xmlns:p14="http://schemas.microsoft.com/office/powerpoint/2010/main" val="2541152054"/>
+      </p:ext>
+    </p:extLst>
+  </p:cSld>
+  <p:clrMapOvr>
+    <a:masterClrMapping/>
+  </p:clrMapOvr>
+</p:sld>
+</file>
+
+<file path=ppt/slides/slide12.xml><?xml version="1.0" encoding="utf-8"?>
+<p:sld xmlns:a="http://schemas.openxmlformats.org/drawingml/2006/main" xmlns:r="http://schemas.openxmlformats.org/officeDocument/2006/relationships" xmlns:p="http://schemas.openxmlformats.org/presentationml/2006/main">
+  <p:cSld>
+    <p:spTree>
+      <p:nvGrpSpPr>
+        <p:cNvPr id="1" name=""/>
+        <p:cNvGrpSpPr/>
+        <p:nvPr/>
+      </p:nvGrpSpPr>
+      <p:grpSpPr>
+        <a:xfrm>
+          <a:off x="0" y="0"/>
+          <a:ext cx="0" cy="0"/>
+          <a:chOff x="0" y="0"/>
+          <a:chExt cx="0" cy="0"/>
+        </a:xfrm>
+      </p:grpSpPr>
+      <p:sp>
+        <p:nvSpPr>
+          <p:cNvPr id="2" name="Заглавие 1">
+            <a:extLst>
+              <a:ext uri="{FF2B5EF4-FFF2-40B4-BE49-F238E27FC236}">
+                <a16:creationId xmlns:a16="http://schemas.microsoft.com/office/drawing/2014/main" id="{5506FD59-DFC4-D957-EFA0-739C98E81461}"/>
+              </a:ext>
+            </a:extLst>
+          </p:cNvPr>
+          <p:cNvSpPr>
+            <a:spLocks noGrp="1"/>
+          </p:cNvSpPr>
+          <p:nvPr>
+            <p:ph type="title"/>
+          </p:nvPr>
+        </p:nvSpPr>
+        <p:spPr/>
+        <p:txBody>
+          <a:bodyPr/>
+          <a:lstStyle/>
+          <a:p>
+            <a:endParaRPr lang="bg-BG"/>
+          </a:p>
+        </p:txBody>
+      </p:sp>
+      <p:sp>
+        <p:nvSpPr>
+          <p:cNvPr id="3" name="Контейнер за съдържание 2">
+            <a:extLst>
+              <a:ext uri="{FF2B5EF4-FFF2-40B4-BE49-F238E27FC236}">
+                <a16:creationId xmlns:a16="http://schemas.microsoft.com/office/drawing/2014/main" id="{4E67C915-1D19-79C6-D2E8-523BF78EFAFD}"/>
+              </a:ext>
+            </a:extLst>
+          </p:cNvPr>
+          <p:cNvSpPr>
+            <a:spLocks noGrp="1"/>
+          </p:cNvSpPr>
+          <p:nvPr>
+            <p:ph idx="1"/>
+          </p:nvPr>
+        </p:nvSpPr>
+        <p:spPr/>
+        <p:txBody>
+          <a:bodyPr/>
+          <a:lstStyle/>
+          <a:p>
+            <a:endParaRPr lang="bg-BG"/>
+          </a:p>
+        </p:txBody>
+      </p:sp>
+      <p:pic>
+        <p:nvPicPr>
+          <p:cNvPr id="5" name="Картина 4">
+            <a:extLst>
+              <a:ext uri="{FF2B5EF4-FFF2-40B4-BE49-F238E27FC236}">
+                <a16:creationId xmlns:a16="http://schemas.microsoft.com/office/drawing/2014/main" id="{04F79F84-3765-F380-BCE8-CC15CE71E2C4}"/>
+              </a:ext>
+            </a:extLst>
+          </p:cNvPr>
+          <p:cNvPicPr>
+            <a:picLocks noChangeAspect="1"/>
+          </p:cNvPicPr>
+          <p:nvPr/>
+        </p:nvPicPr>
+        <p:blipFill>
+          <a:blip r:embed="rId2"/>
+          <a:stretch>
+            <a:fillRect/>
+          </a:stretch>
+        </p:blipFill>
+        <p:spPr>
+          <a:xfrm>
+            <a:off x="0" y="367819"/>
+            <a:ext cx="12192000" cy="6122361"/>
+          </a:xfrm>
+          <a:prstGeom prst="rect">
+            <a:avLst/>
+          </a:prstGeom>
+        </p:spPr>
+      </p:pic>
+    </p:spTree>
+    <p:extLst>
+      <p:ext uri="{BB962C8B-B14F-4D97-AF65-F5344CB8AC3E}">
+        <p14:creationId xmlns:p14="http://schemas.microsoft.com/office/powerpoint/2010/main" val="781308325"/>
+      </p:ext>
+    </p:extLst>
+  </p:cSld>
+  <p:clrMapOvr>
+    <a:masterClrMapping/>
+  </p:clrMapOvr>
+</p:sld>
+</file>
+
+<file path=ppt/slides/slide13.xml><?xml version="1.0" encoding="utf-8"?>
+<p:sld xmlns:a="http://schemas.openxmlformats.org/drawingml/2006/main" xmlns:r="http://schemas.openxmlformats.org/officeDocument/2006/relationships" xmlns:p="http://schemas.openxmlformats.org/presentationml/2006/main">
+  <p:cSld>
+    <p:spTree>
+      <p:nvGrpSpPr>
+        <p:cNvPr id="1" name=""/>
+        <p:cNvGrpSpPr/>
+        <p:nvPr/>
+      </p:nvGrpSpPr>
+      <p:grpSpPr>
+        <a:xfrm>
+          <a:off x="0" y="0"/>
+          <a:ext cx="0" cy="0"/>
+          <a:chOff x="0" y="0"/>
+          <a:chExt cx="0" cy="0"/>
+        </a:xfrm>
+      </p:grpSpPr>
+      <p:sp>
+        <p:nvSpPr>
+          <p:cNvPr id="3" name="Content Placeholder 2">
+            <a:extLst>
+              <a:ext uri="{FF2B5EF4-FFF2-40B4-BE49-F238E27FC236}">
+                <a16:creationId xmlns:a16="http://schemas.microsoft.com/office/drawing/2014/main" id="{8811C783-BDAC-A150-C8C2-487EE72801ED}"/>
+              </a:ext>
+            </a:extLst>
+          </p:cNvPr>
+          <p:cNvSpPr>
+            <a:spLocks noGrp="1"/>
+          </p:cNvSpPr>
+          <p:nvPr>
+            <p:ph idx="1"/>
+          </p:nvPr>
+        </p:nvSpPr>
+        <p:spPr>
+          <a:xfrm>
+            <a:off x="680321" y="2336873"/>
+            <a:ext cx="3057786" cy="2326486"/>
+          </a:xfrm>
+        </p:spPr>
+        <p:txBody>
+          <a:bodyPr vert="horz" lIns="91440" tIns="45720" rIns="91440" bIns="45720" rtlCol="0" anchor="t">
+            <a:normAutofit/>
+          </a:bodyPr>
+          <a:lstStyle/>
+          <a:p>
+            <a:r>
+              <a:rPr lang="en-US" dirty="0">
+                <a:latin typeface="Times New Roman" panose="02020603050405020304" pitchFamily="18" charset="0"/>
+                <a:cs typeface="Times New Roman" panose="02020603050405020304" pitchFamily="18" charset="0"/>
+              </a:rPr>
+              <a:t>Visual Studio</a:t>
+            </a:r>
+          </a:p>
+          <a:p>
+            <a:r>
+              <a:rPr lang="en-US" dirty="0">
+                <a:latin typeface="Times New Roman" panose="02020603050405020304" pitchFamily="18" charset="0"/>
+                <a:cs typeface="Times New Roman" panose="02020603050405020304" pitchFamily="18" charset="0"/>
+              </a:rPr>
+              <a:t>Git</a:t>
+            </a:r>
+          </a:p>
+          <a:p>
+            <a:r>
+              <a:rPr lang="en-US" dirty="0" err="1">
+                <a:latin typeface="Times New Roman" panose="02020603050405020304" pitchFamily="18" charset="0"/>
+                <a:cs typeface="Times New Roman" panose="02020603050405020304" pitchFamily="18" charset="0"/>
+              </a:rPr>
+              <a:t>Външни</a:t>
+            </a:r>
+            <a:r>
+              <a:rPr lang="en-US" dirty="0">
+                <a:latin typeface="Times New Roman" panose="02020603050405020304" pitchFamily="18" charset="0"/>
+                <a:cs typeface="Times New Roman" panose="02020603050405020304" pitchFamily="18" charset="0"/>
+              </a:rPr>
+              <a:t> </a:t>
+            </a:r>
+            <a:r>
+              <a:rPr lang="en-US" dirty="0" err="1">
+                <a:latin typeface="Times New Roman" panose="02020603050405020304" pitchFamily="18" charset="0"/>
+                <a:cs typeface="Times New Roman" panose="02020603050405020304" pitchFamily="18" charset="0"/>
+              </a:rPr>
+              <a:t>библиотеки</a:t>
+            </a:r>
+            <a:r>
+              <a:rPr lang="en-US" dirty="0">
+                <a:latin typeface="Times New Roman" panose="02020603050405020304" pitchFamily="18" charset="0"/>
+                <a:cs typeface="Times New Roman" panose="02020603050405020304" pitchFamily="18" charset="0"/>
+              </a:rPr>
+              <a:t> --&gt;</a:t>
+            </a:r>
+          </a:p>
+          <a:p>
+            <a:endParaRPr lang="en-US" dirty="0">
+              <a:latin typeface="Times New Roman" panose="02020603050405020304" pitchFamily="18" charset="0"/>
+              <a:cs typeface="Times New Roman" panose="02020603050405020304" pitchFamily="18" charset="0"/>
+            </a:endParaRPr>
+          </a:p>
+        </p:txBody>
+      </p:sp>
+      <p:pic>
+        <p:nvPicPr>
+          <p:cNvPr id="4" name="Picture 4" descr="Text&#10;&#10;Description automatically generated">
+            <a:extLst>
+              <a:ext uri="{FF2B5EF4-FFF2-40B4-BE49-F238E27FC236}">
+                <a16:creationId xmlns:a16="http://schemas.microsoft.com/office/drawing/2014/main" id="{7C70D8EC-9377-E02F-DD6F-B8B7F6538817}"/>
+              </a:ext>
+            </a:extLst>
+          </p:cNvPr>
+          <p:cNvPicPr>
+            <a:picLocks noChangeAspect="1"/>
+          </p:cNvPicPr>
+          <p:nvPr/>
+        </p:nvPicPr>
+        <p:blipFill>
+          <a:blip r:embed="rId2"/>
+          <a:stretch>
+            <a:fillRect/>
+          </a:stretch>
+        </p:blipFill>
+        <p:spPr>
+          <a:xfrm>
+            <a:off x="4048398" y="2336873"/>
+            <a:ext cx="7760898" cy="2326486"/>
+          </a:xfrm>
+          <a:prstGeom prst="rect">
+            <a:avLst/>
+          </a:prstGeom>
+        </p:spPr>
+      </p:pic>
+      <p:sp>
+        <p:nvSpPr>
+          <p:cNvPr id="7" name="Title 1">
+            <a:extLst>
+              <a:ext uri="{FF2B5EF4-FFF2-40B4-BE49-F238E27FC236}">
+                <a16:creationId xmlns:a16="http://schemas.microsoft.com/office/drawing/2014/main" id="{423364E8-1EC1-EAE7-4290-BEA38CD8CD03}"/>
+              </a:ext>
+            </a:extLst>
+          </p:cNvPr>
+          <p:cNvSpPr txBox="1">
+            <a:spLocks/>
+          </p:cNvSpPr>
+          <p:nvPr/>
+        </p:nvSpPr>
+        <p:spPr>
+          <a:xfrm>
+            <a:off x="1293813" y="770918"/>
+            <a:ext cx="9905998" cy="1478570"/>
+          </a:xfrm>
+          <a:prstGeom prst="rect">
+            <a:avLst/>
+          </a:prstGeom>
+        </p:spPr>
+        <p:txBody>
+          <a:bodyPr vert="horz" lIns="91440" tIns="45720" rIns="91440" bIns="45720" rtlCol="0" anchor="ctr">
+            <a:normAutofit/>
+          </a:bodyPr>
+          <a:lstStyle>
+            <a:lvl1pPr algn="l" defTabSz="914400" rtl="0" eaLnBrk="1" latinLnBrk="0" hangingPunct="1">
+              <a:lnSpc>
+                <a:spcPct val="90000"/>
+              </a:lnSpc>
+              <a:spcBef>
+                <a:spcPct val="0"/>
+              </a:spcBef>
+              <a:buNone/>
+              <a:defRPr sz="3600" kern="1200" cap="all" baseline="0">
+                <a:solidFill>
+                  <a:schemeClr val="tx1"/>
+                </a:solidFill>
+                <a:latin typeface="+mj-lt"/>
+                <a:ea typeface="+mj-ea"/>
+                <a:cs typeface="+mj-cs"/>
+              </a:defRPr>
+            </a:lvl1pPr>
+          </a:lstStyle>
+          <a:p>
+            <a:r>
+              <a:rPr lang="bg-BG" dirty="0">
+                <a:latin typeface="Times New Roman" panose="02020603050405020304" pitchFamily="18" charset="0"/>
+                <a:cs typeface="Times New Roman" panose="02020603050405020304" pitchFamily="18" charset="0"/>
+              </a:rPr>
+              <a:t>Използвани технологии</a:t>
+            </a:r>
+            <a:endParaRPr lang="en-US" dirty="0">
+              <a:latin typeface="Times New Roman" panose="02020603050405020304" pitchFamily="18" charset="0"/>
+              <a:ea typeface="+mj-lt"/>
+              <a:cs typeface="Times New Roman" panose="02020603050405020304" pitchFamily="18" charset="0"/>
+            </a:endParaRPr>
+          </a:p>
+        </p:txBody>
+      </p:sp>
+    </p:spTree>
+    <p:extLst>
+      <p:ext uri="{BB962C8B-B14F-4D97-AF65-F5344CB8AC3E}">
+        <p14:creationId xmlns:p14="http://schemas.microsoft.com/office/powerpoint/2010/main" val="921629498"/>
+      </p:ext>
+    </p:extLst>
+  </p:cSld>
+  <p:clrMapOvr>
+    <a:masterClrMapping/>
+  </p:clrMapOvr>
+</p:sld>
+</file>
+
+<file path=ppt/slides/slide14.xml><?xml version="1.0" encoding="utf-8"?>
+<p:sld xmlns:a="http://schemas.openxmlformats.org/drawingml/2006/main" xmlns:r="http://schemas.openxmlformats.org/officeDocument/2006/relationships" xmlns:p="http://schemas.openxmlformats.org/presentationml/2006/main">
+  <p:cSld>
+    <p:spTree>
+      <p:nvGrpSpPr>
+        <p:cNvPr id="1" name=""/>
+        <p:cNvGrpSpPr/>
+        <p:nvPr/>
+      </p:nvGrpSpPr>
+      <p:grpSpPr>
+        <a:xfrm>
+          <a:off x="0" y="0"/>
+          <a:ext cx="0" cy="0"/>
+          <a:chOff x="0" y="0"/>
+          <a:chExt cx="0" cy="0"/>
+        </a:xfrm>
+      </p:grpSpPr>
       <p:sp>
         <p:nvSpPr>
           <p:cNvPr id="2" name="Title 1">
@@ -16151,7 +16640,7 @@
 </p:sld>
 </file>
 
-<file path=ppt/slides/slide11.xml><?xml version="1.0" encoding="utf-8"?>
+<file path=ppt/slides/slide15.xml><?xml version="1.0" encoding="utf-8"?>
 <p:sld xmlns:a="http://schemas.openxmlformats.org/drawingml/2006/main" xmlns:r="http://schemas.openxmlformats.org/officeDocument/2006/relationships" xmlns:p="http://schemas.openxmlformats.org/presentationml/2006/main">
   <p:cSld>
     <p:spTree>
@@ -16216,7 +16705,7 @@
 </p:sld>
 </file>
 
-<file path=ppt/slides/slide12.xml><?xml version="1.0" encoding="utf-8"?>
+<file path=ppt/slides/slide16.xml><?xml version="1.0" encoding="utf-8"?>
 <p:sld xmlns:a="http://schemas.openxmlformats.org/drawingml/2006/main" xmlns:r="http://schemas.openxmlformats.org/officeDocument/2006/relationships" xmlns:p="http://schemas.openxmlformats.org/presentationml/2006/main">
   <p:cSld>
     <p:spTree>
@@ -16381,7 +16870,7 @@
               <a:rPr lang="en-US" dirty="0">
                 <a:hlinkClick r:id="rId3"/>
               </a:rPr>
-              <a:t>ttps://learn.microsoft.com/en-us/aspnet/core/security/authentication/scaffold-identity?view=aspnetcore-7.0&amp;tabs=visual-studio</a:t>
+              <a:t>ttps://learn.microsoft.com/en-us/aspnet/core/security/authentication/scaffold-identity?view=aspnetcore-8.0&amp;tabs=visual-studio</a:t>
             </a:r>
             <a:endParaRPr lang="en-US" dirty="0"/>
           </a:p>
@@ -17148,10 +17637,10 @@
       </p:sp>
       <p:pic>
         <p:nvPicPr>
-          <p:cNvPr id="11" name="Picture 11" descr="Graphical user interface, text&#10;&#10;Description automatically generated">
+          <p:cNvPr id="4" name="Картина 3">
             <a:extLst>
               <a:ext uri="{FF2B5EF4-FFF2-40B4-BE49-F238E27FC236}">
-                <a16:creationId xmlns:a16="http://schemas.microsoft.com/office/drawing/2014/main" id="{22E9D209-E28E-A865-8570-B9762E9A7374}"/>
+                <a16:creationId xmlns:a16="http://schemas.microsoft.com/office/drawing/2014/main" id="{3016A829-DCFC-E109-CE03-A1B3207E93C5}"/>
               </a:ext>
             </a:extLst>
           </p:cNvPr>
@@ -17168,8 +17657,8 @@
         </p:blipFill>
         <p:spPr>
           <a:xfrm>
-            <a:off x="7039155" y="-3037"/>
-            <a:ext cx="5172972" cy="6864074"/>
+            <a:off x="9207062" y="0"/>
+            <a:ext cx="2984938" cy="6857008"/>
           </a:xfrm>
           <a:prstGeom prst="rect">
             <a:avLst/>
@@ -17325,10 +17814,10 @@
       </p:sp>
       <p:pic>
         <p:nvPicPr>
-          <p:cNvPr id="11" name="Picture 11" descr="Graphical user interface, text&#10;&#10;Description automatically generated">
+          <p:cNvPr id="4" name="Картина 3">
             <a:extLst>
               <a:ext uri="{FF2B5EF4-FFF2-40B4-BE49-F238E27FC236}">
-                <a16:creationId xmlns:a16="http://schemas.microsoft.com/office/drawing/2014/main" id="{22E9D209-E28E-A865-8570-B9762E9A7374}"/>
+                <a16:creationId xmlns:a16="http://schemas.microsoft.com/office/drawing/2014/main" id="{794203CB-2AC8-423D-F209-C43E87981836}"/>
               </a:ext>
             </a:extLst>
           </p:cNvPr>
@@ -17345,8 +17834,8 @@
         </p:blipFill>
         <p:spPr>
           <a:xfrm>
-            <a:off x="7039155" y="-3037"/>
-            <a:ext cx="5172972" cy="6864074"/>
+            <a:off x="9207062" y="0"/>
+            <a:ext cx="2984938" cy="6857008"/>
           </a:xfrm>
           <a:prstGeom prst="rect">
             <a:avLst/>
@@ -17516,10 +18005,10 @@
       </p:sp>
       <p:pic>
         <p:nvPicPr>
-          <p:cNvPr id="11" name="Picture 11" descr="Graphical user interface, text&#10;&#10;Description automatically generated">
+          <p:cNvPr id="4" name="Картина 3">
             <a:extLst>
               <a:ext uri="{FF2B5EF4-FFF2-40B4-BE49-F238E27FC236}">
-                <a16:creationId xmlns:a16="http://schemas.microsoft.com/office/drawing/2014/main" id="{22E9D209-E28E-A865-8570-B9762E9A7374}"/>
+                <a16:creationId xmlns:a16="http://schemas.microsoft.com/office/drawing/2014/main" id="{BE31109A-C598-808C-D793-3FD4598A7081}"/>
               </a:ext>
             </a:extLst>
           </p:cNvPr>
@@ -17536,8 +18025,8 @@
         </p:blipFill>
         <p:spPr>
           <a:xfrm>
-            <a:off x="7039155" y="-3037"/>
-            <a:ext cx="5172972" cy="6864074"/>
+            <a:off x="9207062" y="0"/>
+            <a:ext cx="2984938" cy="6857008"/>
           </a:xfrm>
           <a:prstGeom prst="rect">
             <a:avLst/>
@@ -17703,10 +18192,10 @@
       </p:sp>
       <p:pic>
         <p:nvPicPr>
-          <p:cNvPr id="11" name="Picture 11" descr="Graphical user interface, text&#10;&#10;Description automatically generated">
+          <p:cNvPr id="5" name="Картина 4">
             <a:extLst>
               <a:ext uri="{FF2B5EF4-FFF2-40B4-BE49-F238E27FC236}">
-                <a16:creationId xmlns:a16="http://schemas.microsoft.com/office/drawing/2014/main" id="{22E9D209-E28E-A865-8570-B9762E9A7374}"/>
+                <a16:creationId xmlns:a16="http://schemas.microsoft.com/office/drawing/2014/main" id="{8AC905C3-C4A8-2461-0109-3D1501C143C7}"/>
               </a:ext>
             </a:extLst>
           </p:cNvPr>
@@ -17723,8 +18212,8 @@
         </p:blipFill>
         <p:spPr>
           <a:xfrm>
-            <a:off x="7039155" y="-3037"/>
-            <a:ext cx="5172972" cy="6864074"/>
+            <a:off x="9207062" y="0"/>
+            <a:ext cx="2984938" cy="6857008"/>
           </a:xfrm>
           <a:prstGeom prst="rect">
             <a:avLst/>
@@ -17884,95 +18373,12 @@
           <a:chExt cx="0" cy="0"/>
         </a:xfrm>
       </p:grpSpPr>
-      <p:sp>
-        <p:nvSpPr>
-          <p:cNvPr id="3" name="Content Placeholder 2">
+      <p:pic>
+        <p:nvPicPr>
+          <p:cNvPr id="5" name="Картина 4">
             <a:extLst>
               <a:ext uri="{FF2B5EF4-FFF2-40B4-BE49-F238E27FC236}">
-                <a16:creationId xmlns:a16="http://schemas.microsoft.com/office/drawing/2014/main" id="{8811C783-BDAC-A150-C8C2-487EE72801ED}"/>
-              </a:ext>
-            </a:extLst>
-          </p:cNvPr>
-          <p:cNvSpPr>
-            <a:spLocks noGrp="1"/>
-          </p:cNvSpPr>
-          <p:nvPr>
-            <p:ph idx="1"/>
-          </p:nvPr>
-        </p:nvSpPr>
-        <p:spPr>
-          <a:xfrm>
-            <a:off x="680321" y="2336873"/>
-            <a:ext cx="3057786" cy="2326486"/>
-          </a:xfrm>
-        </p:spPr>
-        <p:txBody>
-          <a:bodyPr vert="horz" lIns="91440" tIns="45720" rIns="91440" bIns="45720" rtlCol="0" anchor="t">
-            <a:normAutofit/>
-          </a:bodyPr>
-          <a:lstStyle/>
-          <a:p>
-            <a:r>
-              <a:rPr lang="en-US" dirty="0">
-                <a:latin typeface="Times New Roman" panose="02020603050405020304" pitchFamily="18" charset="0"/>
-                <a:cs typeface="Times New Roman" panose="02020603050405020304" pitchFamily="18" charset="0"/>
-              </a:rPr>
-              <a:t>Visual Studio</a:t>
-            </a:r>
-          </a:p>
-          <a:p>
-            <a:r>
-              <a:rPr lang="en-US" dirty="0">
-                <a:latin typeface="Times New Roman" panose="02020603050405020304" pitchFamily="18" charset="0"/>
-                <a:cs typeface="Times New Roman" panose="02020603050405020304" pitchFamily="18" charset="0"/>
-              </a:rPr>
-              <a:t>Git</a:t>
-            </a:r>
-          </a:p>
-          <a:p>
-            <a:r>
-              <a:rPr lang="en-US" dirty="0" err="1">
-                <a:latin typeface="Times New Roman" panose="02020603050405020304" pitchFamily="18" charset="0"/>
-                <a:cs typeface="Times New Roman" panose="02020603050405020304" pitchFamily="18" charset="0"/>
-              </a:rPr>
-              <a:t>Външни</a:t>
-            </a:r>
-            <a:r>
-              <a:rPr lang="en-US" dirty="0">
-                <a:latin typeface="Times New Roman" panose="02020603050405020304" pitchFamily="18" charset="0"/>
-                <a:cs typeface="Times New Roman" panose="02020603050405020304" pitchFamily="18" charset="0"/>
-              </a:rPr>
-              <a:t> </a:t>
-            </a:r>
-            <a:r>
-              <a:rPr lang="en-US" dirty="0" err="1">
-                <a:latin typeface="Times New Roman" panose="02020603050405020304" pitchFamily="18" charset="0"/>
-                <a:cs typeface="Times New Roman" panose="02020603050405020304" pitchFamily="18" charset="0"/>
-              </a:rPr>
-              <a:t>библиотеки</a:t>
-            </a:r>
-            <a:r>
-              <a:rPr lang="en-US" dirty="0">
-                <a:latin typeface="Times New Roman" panose="02020603050405020304" pitchFamily="18" charset="0"/>
-                <a:cs typeface="Times New Roman" panose="02020603050405020304" pitchFamily="18" charset="0"/>
-              </a:rPr>
-              <a:t> --&gt;</a:t>
-            </a:r>
-          </a:p>
-          <a:p>
-            <a:endParaRPr lang="en-US" dirty="0">
-              <a:latin typeface="Times New Roman" panose="02020603050405020304" pitchFamily="18" charset="0"/>
-              <a:cs typeface="Times New Roman" panose="02020603050405020304" pitchFamily="18" charset="0"/>
-            </a:endParaRPr>
-          </a:p>
-        </p:txBody>
-      </p:sp>
-      <p:pic>
-        <p:nvPicPr>
-          <p:cNvPr id="4" name="Picture 4" descr="Text&#10;&#10;Description automatically generated">
-            <a:extLst>
-              <a:ext uri="{FF2B5EF4-FFF2-40B4-BE49-F238E27FC236}">
-                <a16:creationId xmlns:a16="http://schemas.microsoft.com/office/drawing/2014/main" id="{7C70D8EC-9377-E02F-DD6F-B8B7F6538817}"/>
+                <a16:creationId xmlns:a16="http://schemas.microsoft.com/office/drawing/2014/main" id="{6583D66D-93C0-3D39-1357-FACBE9F23618}"/>
               </a:ext>
             </a:extLst>
           </p:cNvPr>
@@ -17989,80 +18395,18 @@
         </p:blipFill>
         <p:spPr>
           <a:xfrm>
-            <a:off x="4048398" y="2336873"/>
-            <a:ext cx="7760898" cy="2326486"/>
+            <a:off x="0" y="362906"/>
+            <a:ext cx="12192000" cy="6132188"/>
           </a:xfrm>
           <a:prstGeom prst="rect">
             <a:avLst/>
           </a:prstGeom>
         </p:spPr>
       </p:pic>
-      <p:sp>
-        <p:nvSpPr>
-          <p:cNvPr id="7" name="Title 1">
-            <a:extLst>
-              <a:ext uri="{FF2B5EF4-FFF2-40B4-BE49-F238E27FC236}">
-                <a16:creationId xmlns:a16="http://schemas.microsoft.com/office/drawing/2014/main" id="{423364E8-1EC1-EAE7-4290-BEA38CD8CD03}"/>
-              </a:ext>
-            </a:extLst>
-          </p:cNvPr>
-          <p:cNvSpPr txBox="1">
-            <a:spLocks/>
-          </p:cNvSpPr>
-          <p:nvPr/>
-        </p:nvSpPr>
-        <p:spPr>
-          <a:xfrm>
-            <a:off x="1293813" y="770918"/>
-            <a:ext cx="9905998" cy="1478570"/>
-          </a:xfrm>
-          <a:prstGeom prst="rect">
-            <a:avLst/>
-          </a:prstGeom>
-        </p:spPr>
-        <p:txBody>
-          <a:bodyPr vert="horz" lIns="91440" tIns="45720" rIns="91440" bIns="45720" rtlCol="0" anchor="ctr">
-            <a:normAutofit/>
-          </a:bodyPr>
-          <a:lstStyle>
-            <a:lvl1pPr algn="l" defTabSz="914400" rtl="0" eaLnBrk="1" latinLnBrk="0" hangingPunct="1">
-              <a:lnSpc>
-                <a:spcPct val="90000"/>
-              </a:lnSpc>
-              <a:spcBef>
-                <a:spcPct val="0"/>
-              </a:spcBef>
-              <a:buNone/>
-              <a:defRPr sz="3600" kern="1200" cap="all" baseline="0">
-                <a:solidFill>
-                  <a:schemeClr val="tx1"/>
-                </a:solidFill>
-                <a:latin typeface="+mj-lt"/>
-                <a:ea typeface="+mj-ea"/>
-                <a:cs typeface="+mj-cs"/>
-              </a:defRPr>
-            </a:lvl1pPr>
-          </a:lstStyle>
-          <a:p>
-            <a:r>
-              <a:rPr lang="bg-BG" dirty="0">
-                <a:latin typeface="Times New Roman" panose="02020603050405020304" pitchFamily="18" charset="0"/>
-                <a:cs typeface="Times New Roman" panose="02020603050405020304" pitchFamily="18" charset="0"/>
-              </a:rPr>
-              <a:t>Използвани технологии</a:t>
-            </a:r>
-            <a:endParaRPr lang="en-US" dirty="0">
-              <a:latin typeface="Times New Roman" panose="02020603050405020304" pitchFamily="18" charset="0"/>
-              <a:ea typeface="+mj-lt"/>
-              <a:cs typeface="Times New Roman" panose="02020603050405020304" pitchFamily="18" charset="0"/>
-            </a:endParaRPr>
-          </a:p>
-        </p:txBody>
-      </p:sp>
     </p:spTree>
     <p:extLst>
       <p:ext uri="{BB962C8B-B14F-4D97-AF65-F5344CB8AC3E}">
-        <p14:creationId xmlns:p14="http://schemas.microsoft.com/office/powerpoint/2010/main" val="921629498"/>
+        <p14:creationId xmlns:p14="http://schemas.microsoft.com/office/powerpoint/2010/main" val="3498246172"/>
       </p:ext>
     </p:extLst>
   </p:cSld>
@@ -18324,6 +18668,15 @@
 </file>
 
 <file path=customXml/item1.xml><?xml version="1.0" encoding="utf-8"?>
+<?mso-contentType ?>
+<FormTemplates xmlns="http://schemas.microsoft.com/sharepoint/v3/contenttype/forms">
+  <Display>DocumentLibraryForm</Display>
+  <Edit>DocumentLibraryForm</Edit>
+  <New>DocumentLibraryForm</New>
+</FormTemplates>
+</file>
+
+<file path=customXml/item2.xml><?xml version="1.0" encoding="utf-8"?>
 <ct:contentTypeSchema xmlns:ct="http://schemas.microsoft.com/office/2006/metadata/contentType" xmlns:ma="http://schemas.microsoft.com/office/2006/metadata/properties/metaAttributes" ct:_="" ma:_="" ma:contentTypeName="Document" ma:contentTypeID="0x010100A5AAF6AE2BF4864A93A637A190E081BE" ma:contentTypeVersion="14" ma:contentTypeDescription="Create a new document." ma:contentTypeScope="" ma:versionID="5965c60536934b536d07c1fc5c166c2e">
   <xsd:schema xmlns:xsd="http://www.w3.org/2001/XMLSchema" xmlns:xs="http://www.w3.org/2001/XMLSchema" xmlns:p="http://schemas.microsoft.com/office/2006/metadata/properties" xmlns:ns3="93fe4e91-b0a2-497e-bf4a-b96d5282bb8d" xmlns:ns4="1e0d1b59-9a4e-454c-aa74-9a1208bfb085" targetNamespace="http://schemas.microsoft.com/office/2006/metadata/properties" ma:root="true" ma:fieldsID="d3bdf84e8dc41bbdce3eb66d76feab6a" ns3:_="" ns4:_="">
     <xsd:import namespace="93fe4e91-b0a2-497e-bf4a-b96d5282bb8d"/>
@@ -18550,15 +18903,6 @@
 </ct:contentTypeSchema>
 </file>
 
-<file path=customXml/item2.xml><?xml version="1.0" encoding="utf-8"?>
-<?mso-contentType ?>
-<FormTemplates xmlns="http://schemas.microsoft.com/sharepoint/v3/contenttype/forms">
-  <Display>DocumentLibraryForm</Display>
-  <Edit>DocumentLibraryForm</Edit>
-  <New>DocumentLibraryForm</New>
-</FormTemplates>
-</file>
-
 <file path=customXml/item3.xml><?xml version="1.0" encoding="utf-8"?>
 <p:properties xmlns:p="http://schemas.microsoft.com/office/2006/metadata/properties" xmlns:xsi="http://www.w3.org/2001/XMLSchema-instance" xmlns:pc="http://schemas.microsoft.com/office/infopath/2007/PartnerControls">
   <documentManagement>
@@ -18568,6 +18912,14 @@
 </file>
 
 <file path=customXml/itemProps1.xml><?xml version="1.0" encoding="utf-8"?>
+<ds:datastoreItem xmlns:ds="http://schemas.openxmlformats.org/officeDocument/2006/customXml" ds:itemID="{93A48C96-A344-4B43-B18E-D6EB9B6F0838}">
+  <ds:schemaRefs>
+    <ds:schemaRef ds:uri="http://schemas.microsoft.com/sharepoint/v3/contenttype/forms"/>
+  </ds:schemaRefs>
+</ds:datastoreItem>
+</file>
+
+<file path=customXml/itemProps2.xml><?xml version="1.0" encoding="utf-8"?>
 <ds:datastoreItem xmlns:ds="http://schemas.openxmlformats.org/officeDocument/2006/customXml" ds:itemID="{A3CC01F9-8946-4D54-BD7C-8D0FF06ACCB3}">
   <ds:schemaRefs>
     <ds:schemaRef ds:uri="http://schemas.microsoft.com/office/2006/metadata/contentType"/>
@@ -18582,14 +18934,6 @@
     <ds:schemaRef ds:uri="http://purl.org/dc/elements/1.1/"/>
     <ds:schemaRef ds:uri="http://purl.org/dc/terms/"/>
     <ds:schemaRef ds:uri="http://schemas.microsoft.com/internal/obd"/>
-  </ds:schemaRefs>
-</ds:datastoreItem>
-</file>
-
-<file path=customXml/itemProps2.xml><?xml version="1.0" encoding="utf-8"?>
-<ds:datastoreItem xmlns:ds="http://schemas.openxmlformats.org/officeDocument/2006/customXml" ds:itemID="{93A48C96-A344-4B43-B18E-D6EB9B6F0838}">
-  <ds:schemaRefs>
-    <ds:schemaRef ds:uri="http://schemas.microsoft.com/sharepoint/v3/contenttype/forms"/>
   </ds:schemaRefs>
 </ds:datastoreItem>
 </file>

--- a/Car Rent.pptx
+++ b/Car Rent.pptx
@@ -17,10 +17,11 @@
     <p:sldId id="278" r:id="rId14"/>
     <p:sldId id="279" r:id="rId15"/>
     <p:sldId id="280" r:id="rId16"/>
-    <p:sldId id="263" r:id="rId17"/>
-    <p:sldId id="274" r:id="rId18"/>
-    <p:sldId id="276" r:id="rId19"/>
-    <p:sldId id="275" r:id="rId20"/>
+    <p:sldId id="281" r:id="rId17"/>
+    <p:sldId id="263" r:id="rId18"/>
+    <p:sldId id="274" r:id="rId19"/>
+    <p:sldId id="276" r:id="rId20"/>
+    <p:sldId id="275" r:id="rId21"/>
   </p:sldIdLst>
   <p:sldSz cx="12192000" cy="6858000"/>
   <p:notesSz cx="6858000" cy="9144000"/>
@@ -196,7 +197,7 @@
           <a:noFill/>
           <a:extLst>
             <a:ext uri="{909E8E84-426E-40dd-AFC4-6F175D3DCCD1}">
-              <a14:hiddenFill xmlns="" xmlns:a14="http://schemas.microsoft.com/office/drawing/2010/main">
+              <a14:hiddenFill xmlns:a14="http://schemas.microsoft.com/office/drawing/2010/main" xmlns="">
                 <a:solidFill>
                   <a:srgbClr val="FFFFFF"/>
                 </a:solidFill>
@@ -256,7 +257,7 @@
             </a:ln>
             <a:extLst>
               <a:ext uri="{91240B29-F687-4f45-9708-019B960494DF}">
-                <a14:hiddenLine xmlns="" xmlns:a14="http://schemas.microsoft.com/office/drawing/2010/main" w="9525">
+                <a14:hiddenLine xmlns:a14="http://schemas.microsoft.com/office/drawing/2010/main" xmlns="" w="9525">
                   <a:solidFill>
                     <a:srgbClr val="000000"/>
                   </a:solidFill>
@@ -346,7 +347,7 @@
             </a:ln>
             <a:extLst>
               <a:ext uri="{91240B29-F687-4f45-9708-019B960494DF}">
-                <a14:hiddenLine xmlns="" xmlns:a14="http://schemas.microsoft.com/office/drawing/2010/main" w="9525">
+                <a14:hiddenLine xmlns:a14="http://schemas.microsoft.com/office/drawing/2010/main" xmlns="" w="9525">
                   <a:solidFill>
                     <a:srgbClr val="000000"/>
                   </a:solidFill>
@@ -436,7 +437,7 @@
             </a:ln>
             <a:extLst>
               <a:ext uri="{91240B29-F687-4f45-9708-019B960494DF}">
-                <a14:hiddenLine xmlns="" xmlns:a14="http://schemas.microsoft.com/office/drawing/2010/main" w="9525">
+                <a14:hiddenLine xmlns:a14="http://schemas.microsoft.com/office/drawing/2010/main" xmlns="" w="9525">
                   <a:solidFill>
                     <a:srgbClr val="000000"/>
                   </a:solidFill>
@@ -470,7 +471,7 @@
             </a:ln>
             <a:extLst>
               <a:ext uri="{91240B29-F687-4f45-9708-019B960494DF}">
-                <a14:hiddenLine xmlns="" xmlns:a14="http://schemas.microsoft.com/office/drawing/2010/main" w="9525">
+                <a14:hiddenLine xmlns:a14="http://schemas.microsoft.com/office/drawing/2010/main" xmlns="" w="9525">
                   <a:solidFill>
                     <a:srgbClr val="000000"/>
                   </a:solidFill>
@@ -560,7 +561,7 @@
             </a:ln>
             <a:extLst>
               <a:ext uri="{91240B29-F687-4f45-9708-019B960494DF}">
-                <a14:hiddenLine xmlns="" xmlns:a14="http://schemas.microsoft.com/office/drawing/2010/main" w="9525">
+                <a14:hiddenLine xmlns:a14="http://schemas.microsoft.com/office/drawing/2010/main" xmlns="" w="9525">
                   <a:solidFill>
                     <a:srgbClr val="000000"/>
                   </a:solidFill>
@@ -622,7 +623,7 @@
             </a:ln>
             <a:extLst>
               <a:ext uri="{91240B29-F687-4f45-9708-019B960494DF}">
-                <a14:hiddenLine xmlns="" xmlns:a14="http://schemas.microsoft.com/office/drawing/2010/main" w="9525">
+                <a14:hiddenLine xmlns:a14="http://schemas.microsoft.com/office/drawing/2010/main" xmlns="" w="9525">
                   <a:solidFill>
                     <a:srgbClr val="000000"/>
                   </a:solidFill>
@@ -684,7 +685,7 @@
             </a:ln>
             <a:extLst>
               <a:ext uri="{91240B29-F687-4f45-9708-019B960494DF}">
-                <a14:hiddenLine xmlns="" xmlns:a14="http://schemas.microsoft.com/office/drawing/2010/main" w="9525">
+                <a14:hiddenLine xmlns:a14="http://schemas.microsoft.com/office/drawing/2010/main" xmlns="" w="9525">
                   <a:solidFill>
                     <a:srgbClr val="000000"/>
                   </a:solidFill>
@@ -774,7 +775,7 @@
             </a:ln>
             <a:extLst>
               <a:ext uri="{91240B29-F687-4f45-9708-019B960494DF}">
-                <a14:hiddenLine xmlns="" xmlns:a14="http://schemas.microsoft.com/office/drawing/2010/main" w="9525">
+                <a14:hiddenLine xmlns:a14="http://schemas.microsoft.com/office/drawing/2010/main" xmlns="" w="9525">
                   <a:solidFill>
                     <a:srgbClr val="000000"/>
                   </a:solidFill>
@@ -836,7 +837,7 @@
             </a:ln>
             <a:extLst>
               <a:ext uri="{91240B29-F687-4f45-9708-019B960494DF}">
-                <a14:hiddenLine xmlns="" xmlns:a14="http://schemas.microsoft.com/office/drawing/2010/main" w="9525">
+                <a14:hiddenLine xmlns:a14="http://schemas.microsoft.com/office/drawing/2010/main" xmlns="" w="9525">
                   <a:solidFill>
                     <a:srgbClr val="000000"/>
                   </a:solidFill>
@@ -898,7 +899,7 @@
             </a:ln>
             <a:extLst>
               <a:ext uri="{91240B29-F687-4f45-9708-019B960494DF}">
-                <a14:hiddenLine xmlns="" xmlns:a14="http://schemas.microsoft.com/office/drawing/2010/main" w="9525">
+                <a14:hiddenLine xmlns:a14="http://schemas.microsoft.com/office/drawing/2010/main" xmlns="" w="9525">
                   <a:solidFill>
                     <a:srgbClr val="000000"/>
                   </a:solidFill>
@@ -988,7 +989,7 @@
             </a:ln>
             <a:extLst>
               <a:ext uri="{91240B29-F687-4f45-9708-019B960494DF}">
-                <a14:hiddenLine xmlns="" xmlns:a14="http://schemas.microsoft.com/office/drawing/2010/main" w="9525">
+                <a14:hiddenLine xmlns:a14="http://schemas.microsoft.com/office/drawing/2010/main" xmlns="" w="9525">
                   <a:solidFill>
                     <a:srgbClr val="000000"/>
                   </a:solidFill>
@@ -1078,7 +1079,7 @@
             </a:ln>
             <a:extLst>
               <a:ext uri="{91240B29-F687-4f45-9708-019B960494DF}">
-                <a14:hiddenLine xmlns="" xmlns:a14="http://schemas.microsoft.com/office/drawing/2010/main" w="9525">
+                <a14:hiddenLine xmlns:a14="http://schemas.microsoft.com/office/drawing/2010/main" xmlns="" w="9525">
                   <a:solidFill>
                     <a:srgbClr val="000000"/>
                   </a:solidFill>
@@ -1140,7 +1141,7 @@
             </a:ln>
             <a:extLst>
               <a:ext uri="{91240B29-F687-4f45-9708-019B960494DF}">
-                <a14:hiddenLine xmlns="" xmlns:a14="http://schemas.microsoft.com/office/drawing/2010/main" w="9525">
+                <a14:hiddenLine xmlns:a14="http://schemas.microsoft.com/office/drawing/2010/main" xmlns="" w="9525">
                   <a:solidFill>
                     <a:srgbClr val="000000"/>
                   </a:solidFill>
@@ -1250,7 +1251,7 @@
             </a:ln>
             <a:extLst>
               <a:ext uri="{91240B29-F687-4f45-9708-019B960494DF}">
-                <a14:hiddenLine xmlns="" xmlns:a14="http://schemas.microsoft.com/office/drawing/2010/main" w="9525">
+                <a14:hiddenLine xmlns:a14="http://schemas.microsoft.com/office/drawing/2010/main" xmlns="" w="9525">
                   <a:solidFill>
                     <a:srgbClr val="000000"/>
                   </a:solidFill>
@@ -1312,7 +1313,7 @@
             </a:ln>
             <a:extLst>
               <a:ext uri="{91240B29-F687-4f45-9708-019B960494DF}">
-                <a14:hiddenLine xmlns="" xmlns:a14="http://schemas.microsoft.com/office/drawing/2010/main" w="9525">
+                <a14:hiddenLine xmlns:a14="http://schemas.microsoft.com/office/drawing/2010/main" xmlns="" w="9525">
                   <a:solidFill>
                     <a:srgbClr val="000000"/>
                   </a:solidFill>
@@ -1402,7 +1403,7 @@
             </a:ln>
             <a:extLst>
               <a:ext uri="{91240B29-F687-4f45-9708-019B960494DF}">
-                <a14:hiddenLine xmlns="" xmlns:a14="http://schemas.microsoft.com/office/drawing/2010/main" w="9525">
+                <a14:hiddenLine xmlns:a14="http://schemas.microsoft.com/office/drawing/2010/main" xmlns="" w="9525">
                   <a:solidFill>
                     <a:srgbClr val="000000"/>
                   </a:solidFill>
@@ -1492,7 +1493,7 @@
             </a:ln>
             <a:extLst>
               <a:ext uri="{91240B29-F687-4f45-9708-019B960494DF}">
-                <a14:hiddenLine xmlns="" xmlns:a14="http://schemas.microsoft.com/office/drawing/2010/main" w="9525">
+                <a14:hiddenLine xmlns:a14="http://schemas.microsoft.com/office/drawing/2010/main" xmlns="" w="9525">
                   <a:solidFill>
                     <a:srgbClr val="000000"/>
                   </a:solidFill>
@@ -1554,7 +1555,7 @@
             </a:ln>
             <a:extLst>
               <a:ext uri="{91240B29-F687-4f45-9708-019B960494DF}">
-                <a14:hiddenLine xmlns="" xmlns:a14="http://schemas.microsoft.com/office/drawing/2010/main" w="9525">
+                <a14:hiddenLine xmlns:a14="http://schemas.microsoft.com/office/drawing/2010/main" xmlns="" w="9525">
                   <a:solidFill>
                     <a:srgbClr val="000000"/>
                   </a:solidFill>
@@ -1644,7 +1645,7 @@
             </a:ln>
             <a:extLst>
               <a:ext uri="{91240B29-F687-4f45-9708-019B960494DF}">
-                <a14:hiddenLine xmlns="" xmlns:a14="http://schemas.microsoft.com/office/drawing/2010/main" w="9525">
+                <a14:hiddenLine xmlns:a14="http://schemas.microsoft.com/office/drawing/2010/main" xmlns="" w="9525">
                   <a:solidFill>
                     <a:srgbClr val="000000"/>
                   </a:solidFill>
@@ -1734,7 +1735,7 @@
             </a:ln>
             <a:extLst>
               <a:ext uri="{91240B29-F687-4f45-9708-019B960494DF}">
-                <a14:hiddenLine xmlns="" xmlns:a14="http://schemas.microsoft.com/office/drawing/2010/main" w="9525">
+                <a14:hiddenLine xmlns:a14="http://schemas.microsoft.com/office/drawing/2010/main" xmlns="" w="9525">
                   <a:solidFill>
                     <a:srgbClr val="000000"/>
                   </a:solidFill>
@@ -1790,7 +1791,7 @@
             </a:ln>
             <a:extLst>
               <a:ext uri="{91240B29-F687-4f45-9708-019B960494DF}">
-                <a14:hiddenLine xmlns="" xmlns:a14="http://schemas.microsoft.com/office/drawing/2010/main" w="9525">
+                <a14:hiddenLine xmlns:a14="http://schemas.microsoft.com/office/drawing/2010/main" xmlns="" w="9525">
                   <a:solidFill>
                     <a:srgbClr val="000000"/>
                   </a:solidFill>
@@ -1880,7 +1881,7 @@
             </a:ln>
             <a:extLst>
               <a:ext uri="{91240B29-F687-4f45-9708-019B960494DF}">
-                <a14:hiddenLine xmlns="" xmlns:a14="http://schemas.microsoft.com/office/drawing/2010/main" w="9525">
+                <a14:hiddenLine xmlns:a14="http://schemas.microsoft.com/office/drawing/2010/main" xmlns="" w="9525">
                   <a:solidFill>
                     <a:srgbClr val="000000"/>
                   </a:solidFill>
@@ -1936,7 +1937,7 @@
             </a:ln>
             <a:extLst>
               <a:ext uri="{91240B29-F687-4f45-9708-019B960494DF}">
-                <a14:hiddenLine xmlns="" xmlns:a14="http://schemas.microsoft.com/office/drawing/2010/main" w="9525">
+                <a14:hiddenLine xmlns:a14="http://schemas.microsoft.com/office/drawing/2010/main" xmlns="" w="9525">
                   <a:solidFill>
                     <a:srgbClr val="000000"/>
                   </a:solidFill>
@@ -2026,7 +2027,7 @@
             </a:ln>
             <a:extLst>
               <a:ext uri="{91240B29-F687-4f45-9708-019B960494DF}">
-                <a14:hiddenLine xmlns="" xmlns:a14="http://schemas.microsoft.com/office/drawing/2010/main" w="9525">
+                <a14:hiddenLine xmlns:a14="http://schemas.microsoft.com/office/drawing/2010/main" xmlns="" w="9525">
                   <a:solidFill>
                     <a:srgbClr val="000000"/>
                   </a:solidFill>
@@ -2094,7 +2095,7 @@
             </a:ln>
             <a:extLst>
               <a:ext uri="{91240B29-F687-4f45-9708-019B960494DF}">
-                <a14:hiddenLine xmlns="" xmlns:a14="http://schemas.microsoft.com/office/drawing/2010/main" w="9525">
+                <a14:hiddenLine xmlns:a14="http://schemas.microsoft.com/office/drawing/2010/main" xmlns="" w="9525">
                   <a:solidFill>
                     <a:srgbClr val="000000"/>
                   </a:solidFill>
@@ -2184,7 +2185,7 @@
             </a:ln>
             <a:extLst>
               <a:ext uri="{91240B29-F687-4f45-9708-019B960494DF}">
-                <a14:hiddenLine xmlns="" xmlns:a14="http://schemas.microsoft.com/office/drawing/2010/main" w="9525">
+                <a14:hiddenLine xmlns:a14="http://schemas.microsoft.com/office/drawing/2010/main" xmlns="" w="9525">
                   <a:solidFill>
                     <a:srgbClr val="000000"/>
                   </a:solidFill>
@@ -2252,7 +2253,7 @@
             </a:ln>
             <a:extLst>
               <a:ext uri="{91240B29-F687-4f45-9708-019B960494DF}">
-                <a14:hiddenLine xmlns="" xmlns:a14="http://schemas.microsoft.com/office/drawing/2010/main" w="9525">
+                <a14:hiddenLine xmlns:a14="http://schemas.microsoft.com/office/drawing/2010/main" xmlns="" w="9525">
                   <a:solidFill>
                     <a:srgbClr val="000000"/>
                   </a:solidFill>
@@ -2342,7 +2343,7 @@
             </a:ln>
             <a:extLst>
               <a:ext uri="{91240B29-F687-4f45-9708-019B960494DF}">
-                <a14:hiddenLine xmlns="" xmlns:a14="http://schemas.microsoft.com/office/drawing/2010/main" w="9525">
+                <a14:hiddenLine xmlns:a14="http://schemas.microsoft.com/office/drawing/2010/main" xmlns="" w="9525">
                   <a:solidFill>
                     <a:srgbClr val="000000"/>
                   </a:solidFill>
@@ -2376,7 +2377,7 @@
             </a:ln>
             <a:extLst>
               <a:ext uri="{91240B29-F687-4f45-9708-019B960494DF}">
-                <a14:hiddenLine xmlns="" xmlns:a14="http://schemas.microsoft.com/office/drawing/2010/main" w="9525">
+                <a14:hiddenLine xmlns:a14="http://schemas.microsoft.com/office/drawing/2010/main" xmlns="" w="9525">
                   <a:solidFill>
                     <a:srgbClr val="000000"/>
                   </a:solidFill>
@@ -2466,7 +2467,7 @@
             </a:ln>
             <a:extLst>
               <a:ext uri="{91240B29-F687-4f45-9708-019B960494DF}">
-                <a14:hiddenLine xmlns="" xmlns:a14="http://schemas.microsoft.com/office/drawing/2010/main" w="9525">
+                <a14:hiddenLine xmlns:a14="http://schemas.microsoft.com/office/drawing/2010/main" xmlns="" w="9525">
                   <a:solidFill>
                     <a:srgbClr val="000000"/>
                   </a:solidFill>
@@ -2528,7 +2529,7 @@
             </a:ln>
             <a:extLst>
               <a:ext uri="{91240B29-F687-4f45-9708-019B960494DF}">
-                <a14:hiddenLine xmlns="" xmlns:a14="http://schemas.microsoft.com/office/drawing/2010/main" w="9525">
+                <a14:hiddenLine xmlns:a14="http://schemas.microsoft.com/office/drawing/2010/main" xmlns="" w="9525">
                   <a:solidFill>
                     <a:srgbClr val="000000"/>
                   </a:solidFill>
@@ -2590,7 +2591,7 @@
             </a:ln>
             <a:extLst>
               <a:ext uri="{91240B29-F687-4f45-9708-019B960494DF}">
-                <a14:hiddenLine xmlns="" xmlns:a14="http://schemas.microsoft.com/office/drawing/2010/main" w="9525">
+                <a14:hiddenLine xmlns:a14="http://schemas.microsoft.com/office/drawing/2010/main" xmlns="" w="9525">
                   <a:solidFill>
                     <a:srgbClr val="000000"/>
                   </a:solidFill>
@@ -2680,7 +2681,7 @@
             </a:ln>
             <a:extLst>
               <a:ext uri="{91240B29-F687-4f45-9708-019B960494DF}">
-                <a14:hiddenLine xmlns="" xmlns:a14="http://schemas.microsoft.com/office/drawing/2010/main" w="9525">
+                <a14:hiddenLine xmlns:a14="http://schemas.microsoft.com/office/drawing/2010/main" xmlns="" w="9525">
                   <a:solidFill>
                     <a:srgbClr val="000000"/>
                   </a:solidFill>
@@ -2748,7 +2749,7 @@
             </a:ln>
             <a:extLst>
               <a:ext uri="{91240B29-F687-4f45-9708-019B960494DF}">
-                <a14:hiddenLine xmlns="" xmlns:a14="http://schemas.microsoft.com/office/drawing/2010/main" w="9525">
+                <a14:hiddenLine xmlns:a14="http://schemas.microsoft.com/office/drawing/2010/main" xmlns="" w="9525">
                   <a:solidFill>
                     <a:srgbClr val="000000"/>
                   </a:solidFill>
@@ -2810,7 +2811,7 @@
             </a:ln>
             <a:extLst>
               <a:ext uri="{91240B29-F687-4f45-9708-019B960494DF}">
-                <a14:hiddenLine xmlns="" xmlns:a14="http://schemas.microsoft.com/office/drawing/2010/main" w="9525">
+                <a14:hiddenLine xmlns:a14="http://schemas.microsoft.com/office/drawing/2010/main" xmlns="" w="9525">
                   <a:solidFill>
                     <a:srgbClr val="000000"/>
                   </a:solidFill>
@@ -2900,7 +2901,7 @@
             </a:ln>
             <a:extLst>
               <a:ext uri="{91240B29-F687-4f45-9708-019B960494DF}">
-                <a14:hiddenLine xmlns="" xmlns:a14="http://schemas.microsoft.com/office/drawing/2010/main" w="9525">
+                <a14:hiddenLine xmlns:a14="http://schemas.microsoft.com/office/drawing/2010/main" xmlns="" w="9525">
                   <a:solidFill>
                     <a:srgbClr val="000000"/>
                   </a:solidFill>
@@ -2962,7 +2963,7 @@
             </a:ln>
             <a:extLst>
               <a:ext uri="{91240B29-F687-4f45-9708-019B960494DF}">
-                <a14:hiddenLine xmlns="" xmlns:a14="http://schemas.microsoft.com/office/drawing/2010/main" w="9525">
+                <a14:hiddenLine xmlns:a14="http://schemas.microsoft.com/office/drawing/2010/main" xmlns="" w="9525">
                   <a:solidFill>
                     <a:srgbClr val="000000"/>
                   </a:solidFill>
@@ -3052,7 +3053,7 @@
             </a:ln>
             <a:extLst>
               <a:ext uri="{91240B29-F687-4f45-9708-019B960494DF}">
-                <a14:hiddenLine xmlns="" xmlns:a14="http://schemas.microsoft.com/office/drawing/2010/main" w="9525">
+                <a14:hiddenLine xmlns:a14="http://schemas.microsoft.com/office/drawing/2010/main" xmlns="" w="9525">
                   <a:solidFill>
                     <a:srgbClr val="000000"/>
                   </a:solidFill>
@@ -3114,7 +3115,7 @@
             </a:ln>
             <a:extLst>
               <a:ext uri="{91240B29-F687-4f45-9708-019B960494DF}">
-                <a14:hiddenLine xmlns="" xmlns:a14="http://schemas.microsoft.com/office/drawing/2010/main" w="9525">
+                <a14:hiddenLine xmlns:a14="http://schemas.microsoft.com/office/drawing/2010/main" xmlns="" w="9525">
                   <a:solidFill>
                     <a:srgbClr val="000000"/>
                   </a:solidFill>
@@ -3204,7 +3205,7 @@
             </a:ln>
             <a:extLst>
               <a:ext uri="{91240B29-F687-4f45-9708-019B960494DF}">
-                <a14:hiddenLine xmlns="" xmlns:a14="http://schemas.microsoft.com/office/drawing/2010/main" w="9525">
+                <a14:hiddenLine xmlns:a14="http://schemas.microsoft.com/office/drawing/2010/main" xmlns="" w="9525">
                   <a:solidFill>
                     <a:srgbClr val="000000"/>
                   </a:solidFill>
@@ -3238,7 +3239,7 @@
             </a:ln>
             <a:extLst>
               <a:ext uri="{91240B29-F687-4f45-9708-019B960494DF}">
-                <a14:hiddenLine xmlns="" xmlns:a14="http://schemas.microsoft.com/office/drawing/2010/main" w="9525">
+                <a14:hiddenLine xmlns:a14="http://schemas.microsoft.com/office/drawing/2010/main" xmlns="" w="9525">
                   <a:solidFill>
                     <a:srgbClr val="000000"/>
                   </a:solidFill>
@@ -3303,7 +3304,7 @@
             </a:ln>
             <a:extLst>
               <a:ext uri="{91240B29-F687-4f45-9708-019B960494DF}">
-                <a14:hiddenLine xmlns="" xmlns:a14="http://schemas.microsoft.com/office/drawing/2010/main" w="9525">
+                <a14:hiddenLine xmlns:a14="http://schemas.microsoft.com/office/drawing/2010/main" xmlns="" w="9525">
                   <a:solidFill>
                     <a:srgbClr val="000000"/>
                   </a:solidFill>
@@ -3393,7 +3394,7 @@
             </a:ln>
             <a:extLst>
               <a:ext uri="{91240B29-F687-4f45-9708-019B960494DF}">
-                <a14:hiddenLine xmlns="" xmlns:a14="http://schemas.microsoft.com/office/drawing/2010/main" w="9525">
+                <a14:hiddenLine xmlns:a14="http://schemas.microsoft.com/office/drawing/2010/main" xmlns="" w="9525">
                   <a:solidFill>
                     <a:srgbClr val="000000"/>
                   </a:solidFill>
@@ -3455,7 +3456,7 @@
             </a:ln>
             <a:extLst>
               <a:ext uri="{91240B29-F687-4f45-9708-019B960494DF}">
-                <a14:hiddenLine xmlns="" xmlns:a14="http://schemas.microsoft.com/office/drawing/2010/main" w="9525">
+                <a14:hiddenLine xmlns:a14="http://schemas.microsoft.com/office/drawing/2010/main" xmlns="" w="9525">
                   <a:solidFill>
                     <a:srgbClr val="000000"/>
                   </a:solidFill>
@@ -3545,7 +3546,7 @@
             </a:ln>
             <a:extLst>
               <a:ext uri="{91240B29-F687-4f45-9708-019B960494DF}">
-                <a14:hiddenLine xmlns="" xmlns:a14="http://schemas.microsoft.com/office/drawing/2010/main" w="9525">
+                <a14:hiddenLine xmlns:a14="http://schemas.microsoft.com/office/drawing/2010/main" xmlns="" w="9525">
                   <a:solidFill>
                     <a:srgbClr val="000000"/>
                   </a:solidFill>
@@ -3635,7 +3636,7 @@
             </a:ln>
             <a:extLst>
               <a:ext uri="{91240B29-F687-4f45-9708-019B960494DF}">
-                <a14:hiddenLine xmlns="" xmlns:a14="http://schemas.microsoft.com/office/drawing/2010/main" w="9525">
+                <a14:hiddenLine xmlns:a14="http://schemas.microsoft.com/office/drawing/2010/main" xmlns="" w="9525">
                   <a:solidFill>
                     <a:srgbClr val="000000"/>
                   </a:solidFill>
@@ -3700,7 +3701,7 @@
             </a:ln>
             <a:extLst>
               <a:ext uri="{91240B29-F687-4f45-9708-019B960494DF}">
-                <a14:hiddenLine xmlns="" xmlns:a14="http://schemas.microsoft.com/office/drawing/2010/main" w="9525">
+                <a14:hiddenLine xmlns:a14="http://schemas.microsoft.com/office/drawing/2010/main" xmlns="" w="9525">
                   <a:solidFill>
                     <a:srgbClr val="000000"/>
                   </a:solidFill>
@@ -3762,7 +3763,7 @@
             </a:ln>
             <a:extLst>
               <a:ext uri="{91240B29-F687-4f45-9708-019B960494DF}">
-                <a14:hiddenLine xmlns="" xmlns:a14="http://schemas.microsoft.com/office/drawing/2010/main" w="9525">
+                <a14:hiddenLine xmlns:a14="http://schemas.microsoft.com/office/drawing/2010/main" xmlns="" w="9525">
                   <a:solidFill>
                     <a:srgbClr val="000000"/>
                   </a:solidFill>
@@ -3852,7 +3853,7 @@
             </a:ln>
             <a:extLst>
               <a:ext uri="{91240B29-F687-4f45-9708-019B960494DF}">
-                <a14:hiddenLine xmlns="" xmlns:a14="http://schemas.microsoft.com/office/drawing/2010/main" w="9525">
+                <a14:hiddenLine xmlns:a14="http://schemas.microsoft.com/office/drawing/2010/main" xmlns="" w="9525">
                   <a:solidFill>
                     <a:srgbClr val="000000"/>
                   </a:solidFill>
@@ -3942,7 +3943,7 @@
             </a:ln>
             <a:extLst>
               <a:ext uri="{91240B29-F687-4f45-9708-019B960494DF}">
-                <a14:hiddenLine xmlns="" xmlns:a14="http://schemas.microsoft.com/office/drawing/2010/main" w="9525">
+                <a14:hiddenLine xmlns:a14="http://schemas.microsoft.com/office/drawing/2010/main" xmlns="" w="9525">
                   <a:solidFill>
                     <a:srgbClr val="000000"/>
                   </a:solidFill>
@@ -4004,7 +4005,7 @@
             </a:ln>
             <a:extLst>
               <a:ext uri="{91240B29-F687-4f45-9708-019B960494DF}">
-                <a14:hiddenLine xmlns="" xmlns:a14="http://schemas.microsoft.com/office/drawing/2010/main" w="9525">
+                <a14:hiddenLine xmlns:a14="http://schemas.microsoft.com/office/drawing/2010/main" xmlns="" w="9525">
                   <a:solidFill>
                     <a:srgbClr val="000000"/>
                   </a:solidFill>
@@ -4124,7 +4125,7 @@
             </a:ln>
             <a:extLst>
               <a:ext uri="{91240B29-F687-4f45-9708-019B960494DF}">
-                <a14:hiddenLine xmlns="" xmlns:a14="http://schemas.microsoft.com/office/drawing/2010/main" w="9525">
+                <a14:hiddenLine xmlns:a14="http://schemas.microsoft.com/office/drawing/2010/main" xmlns="" w="9525">
                   <a:solidFill>
                     <a:srgbClr val="000000"/>
                   </a:solidFill>
@@ -4192,7 +4193,7 @@
             </a:ln>
             <a:extLst>
               <a:ext uri="{91240B29-F687-4f45-9708-019B960494DF}">
-                <a14:hiddenLine xmlns="" xmlns:a14="http://schemas.microsoft.com/office/drawing/2010/main" w="9525">
+                <a14:hiddenLine xmlns:a14="http://schemas.microsoft.com/office/drawing/2010/main" xmlns="" w="9525">
                   <a:solidFill>
                     <a:srgbClr val="000000"/>
                   </a:solidFill>
@@ -4282,7 +4283,7 @@
             </a:ln>
             <a:extLst>
               <a:ext uri="{91240B29-F687-4f45-9708-019B960494DF}">
-                <a14:hiddenLine xmlns="" xmlns:a14="http://schemas.microsoft.com/office/drawing/2010/main" w="9525">
+                <a14:hiddenLine xmlns:a14="http://schemas.microsoft.com/office/drawing/2010/main" xmlns="" w="9525">
                   <a:solidFill>
                     <a:srgbClr val="000000"/>
                   </a:solidFill>
@@ -9089,7 +9090,7 @@
           <a:noFill/>
           <a:extLst>
             <a:ext uri="{909E8E84-426E-40dd-AFC4-6F175D3DCCD1}">
-              <a14:hiddenFill xmlns="" xmlns:a14="http://schemas.microsoft.com/office/drawing/2010/main">
+              <a14:hiddenFill xmlns:a14="http://schemas.microsoft.com/office/drawing/2010/main" xmlns="">
                 <a:solidFill>
                   <a:srgbClr val="FFFFFF"/>
                 </a:solidFill>
@@ -9163,7 +9164,7 @@
               </a:ln>
               <a:extLst>
                 <a:ext uri="{91240B29-F687-4f45-9708-019B960494DF}">
-                  <a14:hiddenLine xmlns="" xmlns:a14="http://schemas.microsoft.com/office/drawing/2010/main" w="9525">
+                  <a14:hiddenLine xmlns:a14="http://schemas.microsoft.com/office/drawing/2010/main" xmlns="" w="9525">
                     <a:solidFill>
                       <a:srgbClr val="000000"/>
                     </a:solidFill>
@@ -9253,7 +9254,7 @@
               </a:ln>
               <a:extLst>
                 <a:ext uri="{91240B29-F687-4f45-9708-019B960494DF}">
-                  <a14:hiddenLine xmlns="" xmlns:a14="http://schemas.microsoft.com/office/drawing/2010/main" w="9525">
+                  <a14:hiddenLine xmlns:a14="http://schemas.microsoft.com/office/drawing/2010/main" xmlns="" w="9525">
                     <a:solidFill>
                       <a:srgbClr val="000000"/>
                     </a:solidFill>
@@ -9343,7 +9344,7 @@
               </a:ln>
               <a:extLst>
                 <a:ext uri="{91240B29-F687-4f45-9708-019B960494DF}">
-                  <a14:hiddenLine xmlns="" xmlns:a14="http://schemas.microsoft.com/office/drawing/2010/main" w="9525">
+                  <a14:hiddenLine xmlns:a14="http://schemas.microsoft.com/office/drawing/2010/main" xmlns="" w="9525">
                     <a:solidFill>
                       <a:srgbClr val="000000"/>
                     </a:solidFill>
@@ -9405,7 +9406,7 @@
               </a:ln>
               <a:extLst>
                 <a:ext uri="{91240B29-F687-4f45-9708-019B960494DF}">
-                  <a14:hiddenLine xmlns="" xmlns:a14="http://schemas.microsoft.com/office/drawing/2010/main" w="9525">
+                  <a14:hiddenLine xmlns:a14="http://schemas.microsoft.com/office/drawing/2010/main" xmlns="" w="9525">
                     <a:solidFill>
                       <a:srgbClr val="000000"/>
                     </a:solidFill>
@@ -9495,7 +9496,7 @@
               </a:ln>
               <a:extLst>
                 <a:ext uri="{91240B29-F687-4f45-9708-019B960494DF}">
-                  <a14:hiddenLine xmlns="" xmlns:a14="http://schemas.microsoft.com/office/drawing/2010/main" w="9525">
+                  <a14:hiddenLine xmlns:a14="http://schemas.microsoft.com/office/drawing/2010/main" xmlns="" w="9525">
                     <a:solidFill>
                       <a:srgbClr val="000000"/>
                     </a:solidFill>
@@ -9557,7 +9558,7 @@
               </a:ln>
               <a:extLst>
                 <a:ext uri="{91240B29-F687-4f45-9708-019B960494DF}">
-                  <a14:hiddenLine xmlns="" xmlns:a14="http://schemas.microsoft.com/office/drawing/2010/main" w="9525">
+                  <a14:hiddenLine xmlns:a14="http://schemas.microsoft.com/office/drawing/2010/main" xmlns="" w="9525">
                     <a:solidFill>
                       <a:srgbClr val="000000"/>
                     </a:solidFill>
@@ -9619,7 +9620,7 @@
               </a:ln>
               <a:extLst>
                 <a:ext uri="{91240B29-F687-4f45-9708-019B960494DF}">
-                  <a14:hiddenLine xmlns="" xmlns:a14="http://schemas.microsoft.com/office/drawing/2010/main" w="9525">
+                  <a14:hiddenLine xmlns:a14="http://schemas.microsoft.com/office/drawing/2010/main" xmlns="" w="9525">
                     <a:solidFill>
                       <a:srgbClr val="000000"/>
                     </a:solidFill>
@@ -9709,7 +9710,7 @@
               </a:ln>
               <a:extLst>
                 <a:ext uri="{91240B29-F687-4f45-9708-019B960494DF}">
-                  <a14:hiddenLine xmlns="" xmlns:a14="http://schemas.microsoft.com/office/drawing/2010/main" w="9525">
+                  <a14:hiddenLine xmlns:a14="http://schemas.microsoft.com/office/drawing/2010/main" xmlns="" w="9525">
                     <a:solidFill>
                       <a:srgbClr val="000000"/>
                     </a:solidFill>
@@ -9799,7 +9800,7 @@
               </a:ln>
               <a:extLst>
                 <a:ext uri="{91240B29-F687-4f45-9708-019B960494DF}">
-                  <a14:hiddenLine xmlns="" xmlns:a14="http://schemas.microsoft.com/office/drawing/2010/main" w="9525">
+                  <a14:hiddenLine xmlns:a14="http://schemas.microsoft.com/office/drawing/2010/main" xmlns="" w="9525">
                     <a:solidFill>
                       <a:srgbClr val="000000"/>
                     </a:solidFill>
@@ -9861,7 +9862,7 @@
               </a:ln>
               <a:extLst>
                 <a:ext uri="{91240B29-F687-4f45-9708-019B960494DF}">
-                  <a14:hiddenLine xmlns="" xmlns:a14="http://schemas.microsoft.com/office/drawing/2010/main" w="9525">
+                  <a14:hiddenLine xmlns:a14="http://schemas.microsoft.com/office/drawing/2010/main" xmlns="" w="9525">
                     <a:solidFill>
                       <a:srgbClr val="000000"/>
                     </a:solidFill>
@@ -9971,7 +9972,7 @@
               </a:ln>
               <a:extLst>
                 <a:ext uri="{91240B29-F687-4f45-9708-019B960494DF}">
-                  <a14:hiddenLine xmlns="" xmlns:a14="http://schemas.microsoft.com/office/drawing/2010/main" w="9525">
+                  <a14:hiddenLine xmlns:a14="http://schemas.microsoft.com/office/drawing/2010/main" xmlns="" w="9525">
                     <a:solidFill>
                       <a:srgbClr val="000000"/>
                     </a:solidFill>
@@ -10055,7 +10056,7 @@
               </a:ln>
               <a:extLst>
                 <a:ext uri="{91240B29-F687-4f45-9708-019B960494DF}">
-                  <a14:hiddenLine xmlns="" xmlns:a14="http://schemas.microsoft.com/office/drawing/2010/main" w="9525">
+                  <a14:hiddenLine xmlns:a14="http://schemas.microsoft.com/office/drawing/2010/main" xmlns="" w="9525">
                     <a:solidFill>
                       <a:srgbClr val="000000"/>
                     </a:solidFill>
@@ -10117,7 +10118,7 @@
               </a:ln>
               <a:extLst>
                 <a:ext uri="{91240B29-F687-4f45-9708-019B960494DF}">
-                  <a14:hiddenLine xmlns="" xmlns:a14="http://schemas.microsoft.com/office/drawing/2010/main" w="9525">
+                  <a14:hiddenLine xmlns:a14="http://schemas.microsoft.com/office/drawing/2010/main" xmlns="" w="9525">
                     <a:solidFill>
                       <a:srgbClr val="000000"/>
                     </a:solidFill>
@@ -10179,7 +10180,7 @@
               </a:ln>
               <a:extLst>
                 <a:ext uri="{91240B29-F687-4f45-9708-019B960494DF}">
-                  <a14:hiddenLine xmlns="" xmlns:a14="http://schemas.microsoft.com/office/drawing/2010/main" w="9525">
+                  <a14:hiddenLine xmlns:a14="http://schemas.microsoft.com/office/drawing/2010/main" xmlns="" w="9525">
                     <a:solidFill>
                       <a:srgbClr val="000000"/>
                     </a:solidFill>
@@ -10269,7 +10270,7 @@
               </a:ln>
               <a:extLst>
                 <a:ext uri="{91240B29-F687-4f45-9708-019B960494DF}">
-                  <a14:hiddenLine xmlns="" xmlns:a14="http://schemas.microsoft.com/office/drawing/2010/main" w="9525">
+                  <a14:hiddenLine xmlns:a14="http://schemas.microsoft.com/office/drawing/2010/main" xmlns="" w="9525">
                     <a:solidFill>
                       <a:srgbClr val="000000"/>
                     </a:solidFill>
@@ -10303,7 +10304,7 @@
               </a:ln>
               <a:extLst>
                 <a:ext uri="{91240B29-F687-4f45-9708-019B960494DF}">
-                  <a14:hiddenLine xmlns="" xmlns:a14="http://schemas.microsoft.com/office/drawing/2010/main" w="9525">
+                  <a14:hiddenLine xmlns:a14="http://schemas.microsoft.com/office/drawing/2010/main" xmlns="" w="9525">
                     <a:solidFill>
                       <a:srgbClr val="000000"/>
                     </a:solidFill>
@@ -10368,7 +10369,7 @@
               </a:ln>
               <a:extLst>
                 <a:ext uri="{91240B29-F687-4f45-9708-019B960494DF}">
-                  <a14:hiddenLine xmlns="" xmlns:a14="http://schemas.microsoft.com/office/drawing/2010/main" w="9525">
+                  <a14:hiddenLine xmlns:a14="http://schemas.microsoft.com/office/drawing/2010/main" xmlns="" w="9525">
                     <a:solidFill>
                       <a:srgbClr val="000000"/>
                     </a:solidFill>
@@ -10458,7 +10459,7 @@
               </a:ln>
               <a:extLst>
                 <a:ext uri="{91240B29-F687-4f45-9708-019B960494DF}">
-                  <a14:hiddenLine xmlns="" xmlns:a14="http://schemas.microsoft.com/office/drawing/2010/main" w="9525">
+                  <a14:hiddenLine xmlns:a14="http://schemas.microsoft.com/office/drawing/2010/main" xmlns="" w="9525">
                     <a:solidFill>
                       <a:srgbClr val="000000"/>
                     </a:solidFill>
@@ -10520,7 +10521,7 @@
               </a:ln>
               <a:extLst>
                 <a:ext uri="{91240B29-F687-4f45-9708-019B960494DF}">
-                  <a14:hiddenLine xmlns="" xmlns:a14="http://schemas.microsoft.com/office/drawing/2010/main" w="9525">
+                  <a14:hiddenLine xmlns:a14="http://schemas.microsoft.com/office/drawing/2010/main" xmlns="" w="9525">
                     <a:solidFill>
                       <a:srgbClr val="000000"/>
                     </a:solidFill>
@@ -10610,7 +10611,7 @@
               </a:ln>
               <a:extLst>
                 <a:ext uri="{91240B29-F687-4f45-9708-019B960494DF}">
-                  <a14:hiddenLine xmlns="" xmlns:a14="http://schemas.microsoft.com/office/drawing/2010/main" w="9525">
+                  <a14:hiddenLine xmlns:a14="http://schemas.microsoft.com/office/drawing/2010/main" xmlns="" w="9525">
                     <a:solidFill>
                       <a:srgbClr val="000000"/>
                     </a:solidFill>
@@ -10675,7 +10676,7 @@
               </a:ln>
               <a:extLst>
                 <a:ext uri="{91240B29-F687-4f45-9708-019B960494DF}">
-                  <a14:hiddenLine xmlns="" xmlns:a14="http://schemas.microsoft.com/office/drawing/2010/main" w="9525">
+                  <a14:hiddenLine xmlns:a14="http://schemas.microsoft.com/office/drawing/2010/main" xmlns="" w="9525">
                     <a:solidFill>
                       <a:srgbClr val="000000"/>
                     </a:solidFill>
@@ -10737,7 +10738,7 @@
               </a:ln>
               <a:extLst>
                 <a:ext uri="{91240B29-F687-4f45-9708-019B960494DF}">
-                  <a14:hiddenLine xmlns="" xmlns:a14="http://schemas.microsoft.com/office/drawing/2010/main" w="9525">
+                  <a14:hiddenLine xmlns:a14="http://schemas.microsoft.com/office/drawing/2010/main" xmlns="" w="9525">
                     <a:solidFill>
                       <a:srgbClr val="000000"/>
                     </a:solidFill>
@@ -10827,7 +10828,7 @@
               </a:ln>
               <a:extLst>
                 <a:ext uri="{91240B29-F687-4f45-9708-019B960494DF}">
-                  <a14:hiddenLine xmlns="" xmlns:a14="http://schemas.microsoft.com/office/drawing/2010/main" w="9525">
+                  <a14:hiddenLine xmlns:a14="http://schemas.microsoft.com/office/drawing/2010/main" xmlns="" w="9525">
                     <a:solidFill>
                       <a:srgbClr val="000000"/>
                     </a:solidFill>
@@ -10917,7 +10918,7 @@
               </a:ln>
               <a:extLst>
                 <a:ext uri="{91240B29-F687-4f45-9708-019B960494DF}">
-                  <a14:hiddenLine xmlns="" xmlns:a14="http://schemas.microsoft.com/office/drawing/2010/main" w="9525">
+                  <a14:hiddenLine xmlns:a14="http://schemas.microsoft.com/office/drawing/2010/main" xmlns="" w="9525">
                     <a:solidFill>
                       <a:srgbClr val="000000"/>
                     </a:solidFill>
@@ -10982,7 +10983,7 @@
               </a:ln>
               <a:extLst>
                 <a:ext uri="{91240B29-F687-4f45-9708-019B960494DF}">
-                  <a14:hiddenLine xmlns="" xmlns:a14="http://schemas.microsoft.com/office/drawing/2010/main" w="9525">
+                  <a14:hiddenLine xmlns:a14="http://schemas.microsoft.com/office/drawing/2010/main" xmlns="" w="9525">
                     <a:solidFill>
                       <a:srgbClr val="000000"/>
                     </a:solidFill>
@@ -11102,7 +11103,7 @@
               </a:ln>
               <a:extLst>
                 <a:ext uri="{91240B29-F687-4f45-9708-019B960494DF}">
-                  <a14:hiddenLine xmlns="" xmlns:a14="http://schemas.microsoft.com/office/drawing/2010/main" w="9525">
+                  <a14:hiddenLine xmlns:a14="http://schemas.microsoft.com/office/drawing/2010/main" xmlns="" w="9525">
                     <a:solidFill>
                       <a:srgbClr val="000000"/>
                     </a:solidFill>
@@ -11200,7 +11201,7 @@
               </a:ln>
               <a:extLst>
                 <a:ext uri="{91240B29-F687-4f45-9708-019B960494DF}">
-                  <a14:hiddenLine xmlns="" xmlns:a14="http://schemas.microsoft.com/office/drawing/2010/main" w="9525">
+                  <a14:hiddenLine xmlns:a14="http://schemas.microsoft.com/office/drawing/2010/main" xmlns="" w="9525">
                     <a:solidFill>
                       <a:srgbClr val="000000"/>
                     </a:solidFill>
@@ -11315,7 +11316,7 @@
               </a:ln>
               <a:extLst>
                 <a:ext uri="{91240B29-F687-4f45-9708-019B960494DF}">
-                  <a14:hiddenLine xmlns="" xmlns:a14="http://schemas.microsoft.com/office/drawing/2010/main" w="9525">
+                  <a14:hiddenLine xmlns:a14="http://schemas.microsoft.com/office/drawing/2010/main" xmlns="" w="9525">
                     <a:solidFill>
                       <a:srgbClr val="000000"/>
                     </a:solidFill>
@@ -11405,7 +11406,7 @@
               </a:ln>
               <a:extLst>
                 <a:ext uri="{91240B29-F687-4f45-9708-019B960494DF}">
-                  <a14:hiddenLine xmlns="" xmlns:a14="http://schemas.microsoft.com/office/drawing/2010/main" w="9525">
+                  <a14:hiddenLine xmlns:a14="http://schemas.microsoft.com/office/drawing/2010/main" xmlns="" w="9525">
                     <a:solidFill>
                       <a:srgbClr val="000000"/>
                     </a:solidFill>
@@ -11470,7 +11471,7 @@
               </a:ln>
               <a:extLst>
                 <a:ext uri="{91240B29-F687-4f45-9708-019B960494DF}">
-                  <a14:hiddenLine xmlns="" xmlns:a14="http://schemas.microsoft.com/office/drawing/2010/main" w="9525">
+                  <a14:hiddenLine xmlns:a14="http://schemas.microsoft.com/office/drawing/2010/main" xmlns="" w="9525">
                     <a:solidFill>
                       <a:srgbClr val="000000"/>
                     </a:solidFill>
@@ -11560,7 +11561,7 @@
               </a:ln>
               <a:extLst>
                 <a:ext uri="{91240B29-F687-4f45-9708-019B960494DF}">
-                  <a14:hiddenLine xmlns="" xmlns:a14="http://schemas.microsoft.com/office/drawing/2010/main" w="9525">
+                  <a14:hiddenLine xmlns:a14="http://schemas.microsoft.com/office/drawing/2010/main" xmlns="" w="9525">
                     <a:solidFill>
                       <a:srgbClr val="000000"/>
                     </a:solidFill>
@@ -11628,7 +11629,7 @@
               </a:ln>
               <a:extLst>
                 <a:ext uri="{91240B29-F687-4f45-9708-019B960494DF}">
-                  <a14:hiddenLine xmlns="" xmlns:a14="http://schemas.microsoft.com/office/drawing/2010/main" w="9525">
+                  <a14:hiddenLine xmlns:a14="http://schemas.microsoft.com/office/drawing/2010/main" xmlns="" w="9525">
                     <a:solidFill>
                       <a:srgbClr val="000000"/>
                     </a:solidFill>
@@ -11718,7 +11719,7 @@
               </a:ln>
               <a:extLst>
                 <a:ext uri="{91240B29-F687-4f45-9708-019B960494DF}">
-                  <a14:hiddenLine xmlns="" xmlns:a14="http://schemas.microsoft.com/office/drawing/2010/main" w="9525">
+                  <a14:hiddenLine xmlns:a14="http://schemas.microsoft.com/office/drawing/2010/main" xmlns="" w="9525">
                     <a:solidFill>
                       <a:srgbClr val="000000"/>
                     </a:solidFill>
@@ -11786,7 +11787,7 @@
               </a:ln>
               <a:extLst>
                 <a:ext uri="{91240B29-F687-4f45-9708-019B960494DF}">
-                  <a14:hiddenLine xmlns="" xmlns:a14="http://schemas.microsoft.com/office/drawing/2010/main" w="9525">
+                  <a14:hiddenLine xmlns:a14="http://schemas.microsoft.com/office/drawing/2010/main" xmlns="" w="9525">
                     <a:solidFill>
                       <a:srgbClr val="000000"/>
                     </a:solidFill>
@@ -11876,7 +11877,7 @@
               </a:ln>
               <a:extLst>
                 <a:ext uri="{91240B29-F687-4f45-9708-019B960494DF}">
-                  <a14:hiddenLine xmlns="" xmlns:a14="http://schemas.microsoft.com/office/drawing/2010/main" w="9525">
+                  <a14:hiddenLine xmlns:a14="http://schemas.microsoft.com/office/drawing/2010/main" xmlns="" w="9525">
                     <a:solidFill>
                       <a:srgbClr val="000000"/>
                     </a:solidFill>
@@ -11910,7 +11911,7 @@
               </a:ln>
               <a:extLst>
                 <a:ext uri="{91240B29-F687-4f45-9708-019B960494DF}">
-                  <a14:hiddenLine xmlns="" xmlns:a14="http://schemas.microsoft.com/office/drawing/2010/main" w="9525">
+                  <a14:hiddenLine xmlns:a14="http://schemas.microsoft.com/office/drawing/2010/main" xmlns="" w="9525">
                     <a:solidFill>
                       <a:srgbClr val="000000"/>
                     </a:solidFill>
@@ -12638,7 +12639,7 @@
             <a:noFill/>
             <a:extLst>
               <a:ext uri="{909E8E84-426E-40dd-AFC4-6F175D3DCCD1}">
-                <a14:hiddenFill xmlns:p14="http://schemas.microsoft.com/office/powerpoint/2010/main" xmlns:a14="http://schemas.microsoft.com/office/drawing/2010/main" xmlns:a16="http://schemas.microsoft.com/office/drawing/2014/main" xmlns="">
+                <a14:hiddenFill xmlns="" xmlns:a16="http://schemas.microsoft.com/office/drawing/2014/main" xmlns:a14="http://schemas.microsoft.com/office/drawing/2010/main" xmlns:p14="http://schemas.microsoft.com/office/powerpoint/2010/main">
                   <a:solidFill>
                     <a:srgbClr val="FFFFFF"/>
                   </a:solidFill>
@@ -15457,6 +15458,66 @@
           <a:chExt cx="0" cy="0"/>
         </a:xfrm>
       </p:grpSpPr>
+      <p:pic>
+        <p:nvPicPr>
+          <p:cNvPr id="5" name="Картина 4">
+            <a:extLst>
+              <a:ext uri="{FF2B5EF4-FFF2-40B4-BE49-F238E27FC236}">
+                <a16:creationId xmlns:a16="http://schemas.microsoft.com/office/drawing/2014/main" id="{8390E7E6-35CD-EC8F-B632-40A53D17B389}"/>
+              </a:ext>
+            </a:extLst>
+          </p:cNvPr>
+          <p:cNvPicPr>
+            <a:picLocks noChangeAspect="1"/>
+          </p:cNvPicPr>
+          <p:nvPr/>
+        </p:nvPicPr>
+        <p:blipFill>
+          <a:blip r:embed="rId2"/>
+          <a:stretch>
+            <a:fillRect/>
+          </a:stretch>
+        </p:blipFill>
+        <p:spPr>
+          <a:xfrm>
+            <a:off x="0" y="971159"/>
+            <a:ext cx="12192000" cy="4915681"/>
+          </a:xfrm>
+          <a:prstGeom prst="rect">
+            <a:avLst/>
+          </a:prstGeom>
+        </p:spPr>
+      </p:pic>
+    </p:spTree>
+    <p:extLst>
+      <p:ext uri="{BB962C8B-B14F-4D97-AF65-F5344CB8AC3E}">
+        <p14:creationId xmlns:p14="http://schemas.microsoft.com/office/powerpoint/2010/main" val="2453588793"/>
+      </p:ext>
+    </p:extLst>
+  </p:cSld>
+  <p:clrMapOvr>
+    <a:masterClrMapping/>
+  </p:clrMapOvr>
+</p:sld>
+</file>
+
+<file path=ppt/slides/slide14.xml><?xml version="1.0" encoding="utf-8"?>
+<p:sld xmlns:a="http://schemas.openxmlformats.org/drawingml/2006/main" xmlns:r="http://schemas.openxmlformats.org/officeDocument/2006/relationships" xmlns:p="http://schemas.openxmlformats.org/presentationml/2006/main">
+  <p:cSld>
+    <p:spTree>
+      <p:nvGrpSpPr>
+        <p:cNvPr id="1" name=""/>
+        <p:cNvGrpSpPr/>
+        <p:nvPr/>
+      </p:nvGrpSpPr>
+      <p:grpSpPr>
+        <a:xfrm>
+          <a:off x="0" y="0"/>
+          <a:ext cx="0" cy="0"/>
+          <a:chOff x="0" y="0"/>
+          <a:chExt cx="0" cy="0"/>
+        </a:xfrm>
+      </p:grpSpPr>
       <p:sp>
         <p:nvSpPr>
           <p:cNvPr id="3" name="Content Placeholder 2">
@@ -15645,7 +15706,7 @@
 </p:sld>
 </file>
 
-<file path=ppt/slides/slide14.xml><?xml version="1.0" encoding="utf-8"?>
+<file path=ppt/slides/slide15.xml><?xml version="1.0" encoding="utf-8"?>
 <p:sld xmlns:a="http://schemas.openxmlformats.org/drawingml/2006/main" xmlns:r="http://schemas.openxmlformats.org/officeDocument/2006/relationships" xmlns:p="http://schemas.openxmlformats.org/presentationml/2006/main">
   <p:cSld>
     <p:spTree>
@@ -16640,7 +16701,7 @@
 </p:sld>
 </file>
 
-<file path=ppt/slides/slide15.xml><?xml version="1.0" encoding="utf-8"?>
+<file path=ppt/slides/slide16.xml><?xml version="1.0" encoding="utf-8"?>
 <p:sld xmlns:a="http://schemas.openxmlformats.org/drawingml/2006/main" xmlns:r="http://schemas.openxmlformats.org/officeDocument/2006/relationships" xmlns:p="http://schemas.openxmlformats.org/presentationml/2006/main">
   <p:cSld>
     <p:spTree>
@@ -16705,7 +16766,7 @@
 </p:sld>
 </file>
 
-<file path=ppt/slides/slide16.xml><?xml version="1.0" encoding="utf-8"?>
+<file path=ppt/slides/slide17.xml><?xml version="1.0" encoding="utf-8"?>
 <p:sld xmlns:a="http://schemas.openxmlformats.org/drawingml/2006/main" xmlns:r="http://schemas.openxmlformats.org/officeDocument/2006/relationships" xmlns:p="http://schemas.openxmlformats.org/presentationml/2006/main">
   <p:cSld>
     <p:spTree>
@@ -18668,15 +18729,6 @@
 </file>
 
 <file path=customXml/item1.xml><?xml version="1.0" encoding="utf-8"?>
-<?mso-contentType ?>
-<FormTemplates xmlns="http://schemas.microsoft.com/sharepoint/v3/contenttype/forms">
-  <Display>DocumentLibraryForm</Display>
-  <Edit>DocumentLibraryForm</Edit>
-  <New>DocumentLibraryForm</New>
-</FormTemplates>
-</file>
-
-<file path=customXml/item2.xml><?xml version="1.0" encoding="utf-8"?>
 <ct:contentTypeSchema xmlns:ct="http://schemas.microsoft.com/office/2006/metadata/contentType" xmlns:ma="http://schemas.microsoft.com/office/2006/metadata/properties/metaAttributes" ct:_="" ma:_="" ma:contentTypeName="Document" ma:contentTypeID="0x010100A5AAF6AE2BF4864A93A637A190E081BE" ma:contentTypeVersion="14" ma:contentTypeDescription="Create a new document." ma:contentTypeScope="" ma:versionID="5965c60536934b536d07c1fc5c166c2e">
   <xsd:schema xmlns:xsd="http://www.w3.org/2001/XMLSchema" xmlns:xs="http://www.w3.org/2001/XMLSchema" xmlns:p="http://schemas.microsoft.com/office/2006/metadata/properties" xmlns:ns3="93fe4e91-b0a2-497e-bf4a-b96d5282bb8d" xmlns:ns4="1e0d1b59-9a4e-454c-aa74-9a1208bfb085" targetNamespace="http://schemas.microsoft.com/office/2006/metadata/properties" ma:root="true" ma:fieldsID="d3bdf84e8dc41bbdce3eb66d76feab6a" ns3:_="" ns4:_="">
     <xsd:import namespace="93fe4e91-b0a2-497e-bf4a-b96d5282bb8d"/>
@@ -18903,6 +18955,15 @@
 </ct:contentTypeSchema>
 </file>
 
+<file path=customXml/item2.xml><?xml version="1.0" encoding="utf-8"?>
+<?mso-contentType ?>
+<FormTemplates xmlns="http://schemas.microsoft.com/sharepoint/v3/contenttype/forms">
+  <Display>DocumentLibraryForm</Display>
+  <Edit>DocumentLibraryForm</Edit>
+  <New>DocumentLibraryForm</New>
+</FormTemplates>
+</file>
+
 <file path=customXml/item3.xml><?xml version="1.0" encoding="utf-8"?>
 <p:properties xmlns:p="http://schemas.microsoft.com/office/2006/metadata/properties" xmlns:xsi="http://www.w3.org/2001/XMLSchema-instance" xmlns:pc="http://schemas.microsoft.com/office/infopath/2007/PartnerControls">
   <documentManagement>
@@ -18912,14 +18973,6 @@
 </file>
 
 <file path=customXml/itemProps1.xml><?xml version="1.0" encoding="utf-8"?>
-<ds:datastoreItem xmlns:ds="http://schemas.openxmlformats.org/officeDocument/2006/customXml" ds:itemID="{93A48C96-A344-4B43-B18E-D6EB9B6F0838}">
-  <ds:schemaRefs>
-    <ds:schemaRef ds:uri="http://schemas.microsoft.com/sharepoint/v3/contenttype/forms"/>
-  </ds:schemaRefs>
-</ds:datastoreItem>
-</file>
-
-<file path=customXml/itemProps2.xml><?xml version="1.0" encoding="utf-8"?>
 <ds:datastoreItem xmlns:ds="http://schemas.openxmlformats.org/officeDocument/2006/customXml" ds:itemID="{A3CC01F9-8946-4D54-BD7C-8D0FF06ACCB3}">
   <ds:schemaRefs>
     <ds:schemaRef ds:uri="http://schemas.microsoft.com/office/2006/metadata/contentType"/>
@@ -18934,6 +18987,14 @@
     <ds:schemaRef ds:uri="http://purl.org/dc/elements/1.1/"/>
     <ds:schemaRef ds:uri="http://purl.org/dc/terms/"/>
     <ds:schemaRef ds:uri="http://schemas.microsoft.com/internal/obd"/>
+  </ds:schemaRefs>
+</ds:datastoreItem>
+</file>
+
+<file path=customXml/itemProps2.xml><?xml version="1.0" encoding="utf-8"?>
+<ds:datastoreItem xmlns:ds="http://schemas.openxmlformats.org/officeDocument/2006/customXml" ds:itemID="{93A48C96-A344-4B43-B18E-D6EB9B6F0838}">
+  <ds:schemaRefs>
+    <ds:schemaRef ds:uri="http://schemas.microsoft.com/sharepoint/v3/contenttype/forms"/>
   </ds:schemaRefs>
 </ds:datastoreItem>
 </file>
